--- a/0 발표용 파워포인트/0410 2차발표/0410 project05 - 파워포인트 - 현태.pptx
+++ b/0 발표용 파워포인트/0410 2차발표/0410 project05 - 파워포인트 - 현태.pptx
@@ -5,10 +5,13 @@
     <p:sldMasterId id="2147483648" r:id="rId1"/>
   </p:sldMasterIdLst>
   <p:notesMasterIdLst>
-    <p:notesMasterId r:id="rId3"/>
+    <p:notesMasterId r:id="rId6"/>
   </p:notesMasterIdLst>
   <p:sldIdLst>
     <p:sldId id="256" r:id="rId2"/>
+    <p:sldId id="257" r:id="rId3"/>
+    <p:sldId id="258" r:id="rId4"/>
+    <p:sldId id="259" r:id="rId5"/>
   </p:sldIdLst>
   <p:sldSz cx="12192000" cy="6858000"/>
   <p:notesSz cx="6858000" cy="9144000"/>
@@ -109,7 +112,7 @@
   </p:defaultTextStyle>
   <p:extLst>
     <p:ext uri="{EFAFB233-063F-42B5-8137-9DF3F51BA10A}">
-      <p15:sldGuideLst xmlns:p15="http://schemas.microsoft.com/office/powerpoint/2012/main">
+      <p15:sldGuideLst xmlns:p15="http://schemas.microsoft.com/office/powerpoint/2012/main" xmlns="">
         <p15:guide id="1" orient="horz" pos="2160">
           <p15:clr>
             <a:srgbClr val="A4A3A4"/>
@@ -209,7 +212,7 @@
             <a:fld id="{EFE7F2A0-C7D9-4DBD-AE3B-C1A712DCE501}" type="datetimeFigureOut">
               <a:rPr lang="ko-KR" altLang="en-US" smtClean="0"/>
               <a:pPr/>
-              <a:t>2020-03-28</a:t>
+              <a:t>2020-04-09</a:t>
             </a:fld>
             <a:endParaRPr lang="ko-KR" altLang="en-US"/>
           </a:p>
@@ -610,7 +613,7 @@
             <a:fld id="{272C3D53-FEDF-49EC-8F65-FFFC138B637E}" type="datetimeFigureOut">
               <a:rPr lang="ko-KR" altLang="en-US" smtClean="0"/>
               <a:pPr/>
-              <a:t>2020-03-28</a:t>
+              <a:t>2020-04-09</a:t>
             </a:fld>
             <a:endParaRPr lang="ko-KR" altLang="en-US"/>
           </a:p>
@@ -782,7 +785,7 @@
             <a:fld id="{272C3D53-FEDF-49EC-8F65-FFFC138B637E}" type="datetimeFigureOut">
               <a:rPr lang="ko-KR" altLang="en-US" smtClean="0"/>
               <a:pPr/>
-              <a:t>2020-03-28</a:t>
+              <a:t>2020-04-09</a:t>
             </a:fld>
             <a:endParaRPr lang="ko-KR" altLang="en-US"/>
           </a:p>
@@ -964,7 +967,7 @@
             <a:fld id="{272C3D53-FEDF-49EC-8F65-FFFC138B637E}" type="datetimeFigureOut">
               <a:rPr lang="ko-KR" altLang="en-US" smtClean="0"/>
               <a:pPr/>
-              <a:t>2020-03-28</a:t>
+              <a:t>2020-04-09</a:t>
             </a:fld>
             <a:endParaRPr lang="ko-KR" altLang="en-US"/>
           </a:p>
@@ -1017,6 +1020,323 @@
     <p:extLst>
       <p:ext uri="{BB962C8B-B14F-4D97-AF65-F5344CB8AC3E}">
         <p14:creationId xmlns:p14="http://schemas.microsoft.com/office/powerpoint/2010/main" val="877425461"/>
+      </p:ext>
+    </p:extLst>
+  </p:cSld>
+  <p:clrMapOvr>
+    <a:masterClrMapping/>
+  </p:clrMapOvr>
+</p:sldLayout>
+</file>
+
+<file path=ppt/slideLayouts/slideLayout12.xml><?xml version="1.0" encoding="utf-8"?>
+<p:sldLayout xmlns:a="http://schemas.openxmlformats.org/drawingml/2006/main" xmlns:r="http://schemas.openxmlformats.org/officeDocument/2006/relationships" xmlns:p="http://schemas.openxmlformats.org/presentationml/2006/main" userDrawn="1">
+  <p:cSld name="사용자 지정 레이아웃">
+    <p:bg>
+      <p:bgPr>
+        <a:solidFill>
+          <a:schemeClr val="bg1"/>
+        </a:solidFill>
+        <a:effectLst/>
+      </p:bgPr>
+    </p:bg>
+    <p:spTree>
+      <p:nvGrpSpPr>
+        <p:cNvPr id="1" name=""/>
+        <p:cNvGrpSpPr/>
+        <p:nvPr/>
+      </p:nvGrpSpPr>
+      <p:grpSpPr>
+        <a:xfrm>
+          <a:off x="0" y="0"/>
+          <a:ext cx="0" cy="0"/>
+          <a:chOff x="0" y="0"/>
+          <a:chExt cx="0" cy="0"/>
+        </a:xfrm>
+      </p:grpSpPr>
+      <p:pic>
+        <p:nvPicPr>
+          <p:cNvPr id="3074" name="Picture 2"/>
+          <p:cNvPicPr>
+            <a:picLocks noChangeAspect="1" noChangeArrowheads="1"/>
+          </p:cNvPicPr>
+          <p:nvPr userDrawn="1"/>
+        </p:nvPicPr>
+        <p:blipFill>
+          <a:blip r:embed="rId2" cstate="print">
+            <a:extLst>
+              <a:ext uri="{28A0092B-C50C-407E-A947-70E740481C1C}">
+                <a14:useLocalDpi xmlns:a14="http://schemas.microsoft.com/office/drawing/2010/main" val="0"/>
+              </a:ext>
+            </a:extLst>
+          </a:blip>
+          <a:stretch>
+            <a:fillRect/>
+          </a:stretch>
+        </p:blipFill>
+        <p:spPr bwMode="auto">
+          <a:xfrm>
+            <a:off x="0" y="0"/>
+            <a:ext cx="12192000" cy="6858000"/>
+          </a:xfrm>
+          <a:prstGeom prst="rect">
+            <a:avLst/>
+          </a:prstGeom>
+          <a:noFill/>
+          <a:extLst>
+            <a:ext uri="{909E8E84-426E-40DD-AFC4-6F175D3DCCD1}">
+              <a14:hiddenFill xmlns:a14="http://schemas.microsoft.com/office/drawing/2010/main">
+                <a:solidFill>
+                  <a:srgbClr val="FFFFFF"/>
+                </a:solidFill>
+              </a14:hiddenFill>
+            </a:ext>
+          </a:extLst>
+        </p:spPr>
+      </p:pic>
+      <p:sp>
+        <p:nvSpPr>
+          <p:cNvPr id="2" name="제목 1"/>
+          <p:cNvSpPr>
+            <a:spLocks noGrp="1"/>
+          </p:cNvSpPr>
+          <p:nvPr>
+            <p:ph type="title" hasCustomPrompt="1"/>
+          </p:nvPr>
+        </p:nvSpPr>
+        <p:spPr>
+          <a:xfrm>
+            <a:off x="962423" y="116632"/>
+            <a:ext cx="9646078" cy="796908"/>
+          </a:xfrm>
+        </p:spPr>
+        <p:txBody>
+          <a:bodyPr vert="horz" lIns="91440" tIns="45720" rIns="91440" bIns="45720" rtlCol="0" anchor="ctr">
+            <a:normAutofit/>
+          </a:bodyPr>
+          <a:lstStyle>
+            <a:lvl1pPr algn="l" defTabSz="914400" rtl="0" eaLnBrk="1" latinLnBrk="1" hangingPunct="1">
+              <a:spcBef>
+                <a:spcPct val="0"/>
+              </a:spcBef>
+              <a:buNone/>
+              <a:defRPr lang="ko-KR" altLang="en-US" sz="2500" b="1" kern="1200" baseline="0" dirty="0">
+                <a:solidFill>
+                  <a:schemeClr val="bg1"/>
+                </a:solidFill>
+                <a:effectLst/>
+                <a:latin typeface="+mj-lt"/>
+                <a:ea typeface="맑은 고딕" pitchFamily="50" charset="-127"/>
+                <a:cs typeface="+mj-cs"/>
+              </a:defRPr>
+            </a:lvl1pPr>
+          </a:lstStyle>
+          <a:p>
+            <a:r>
+              <a:rPr lang="ko-KR" altLang="en-US" dirty="0"/>
+              <a:t>제목 스타일 편집마스터 </a:t>
+            </a:r>
+          </a:p>
+        </p:txBody>
+      </p:sp>
+      <p:sp>
+        <p:nvSpPr>
+          <p:cNvPr id="3" name="날짜 개체 틀 2"/>
+          <p:cNvSpPr>
+            <a:spLocks noGrp="1"/>
+          </p:cNvSpPr>
+          <p:nvPr>
+            <p:ph type="dt" sz="half" idx="10"/>
+          </p:nvPr>
+        </p:nvSpPr>
+        <p:spPr/>
+        <p:txBody>
+          <a:bodyPr/>
+          <a:lstStyle>
+            <a:lvl1pPr>
+              <a:defRPr>
+                <a:latin typeface="+mj-lt"/>
+              </a:defRPr>
+            </a:lvl1pPr>
+          </a:lstStyle>
+          <a:p>
+            <a:fld id="{ED3D6733-6F27-4404-AB51-585418F146E5}" type="datetimeFigureOut">
+              <a:rPr lang="ko-KR" altLang="en-US" smtClean="0"/>
+              <a:pPr/>
+              <a:t>2020-04-09</a:t>
+            </a:fld>
+            <a:endParaRPr lang="ko-KR" altLang="en-US"/>
+          </a:p>
+        </p:txBody>
+      </p:sp>
+      <p:sp>
+        <p:nvSpPr>
+          <p:cNvPr id="4" name="바닥글 개체 틀 3"/>
+          <p:cNvSpPr>
+            <a:spLocks noGrp="1"/>
+          </p:cNvSpPr>
+          <p:nvPr>
+            <p:ph type="ftr" sz="quarter" idx="11"/>
+          </p:nvPr>
+        </p:nvSpPr>
+        <p:spPr/>
+        <p:txBody>
+          <a:bodyPr/>
+          <a:lstStyle>
+            <a:lvl1pPr>
+              <a:defRPr>
+                <a:latin typeface="+mj-lt"/>
+              </a:defRPr>
+            </a:lvl1pPr>
+          </a:lstStyle>
+          <a:p>
+            <a:endParaRPr lang="ko-KR" altLang="en-US"/>
+          </a:p>
+        </p:txBody>
+      </p:sp>
+      <p:sp>
+        <p:nvSpPr>
+          <p:cNvPr id="5" name="슬라이드 번호 개체 틀 4"/>
+          <p:cNvSpPr>
+            <a:spLocks noGrp="1"/>
+          </p:cNvSpPr>
+          <p:nvPr>
+            <p:ph type="sldNum" sz="quarter" idx="12"/>
+          </p:nvPr>
+        </p:nvSpPr>
+        <p:spPr/>
+        <p:txBody>
+          <a:bodyPr/>
+          <a:lstStyle>
+            <a:lvl1pPr>
+              <a:defRPr>
+                <a:latin typeface="+mj-lt"/>
+              </a:defRPr>
+            </a:lvl1pPr>
+          </a:lstStyle>
+          <a:p>
+            <a:fld id="{EE6BC638-39B7-4287-91A7-2A3DDA573295}" type="slidenum">
+              <a:rPr lang="ko-KR" altLang="en-US" smtClean="0"/>
+              <a:pPr/>
+              <a:t>‹#›</a:t>
+            </a:fld>
+            <a:endParaRPr lang="ko-KR" altLang="en-US"/>
+          </a:p>
+        </p:txBody>
+      </p:sp>
+      <p:sp>
+        <p:nvSpPr>
+          <p:cNvPr id="6" name="내용 개체 틀 2"/>
+          <p:cNvSpPr>
+            <a:spLocks noGrp="1"/>
+          </p:cNvSpPr>
+          <p:nvPr>
+            <p:ph idx="1"/>
+          </p:nvPr>
+        </p:nvSpPr>
+        <p:spPr>
+          <a:xfrm>
+            <a:off x="431371" y="1176869"/>
+            <a:ext cx="11346142" cy="4861277"/>
+          </a:xfrm>
+        </p:spPr>
+        <p:txBody>
+          <a:bodyPr>
+            <a:normAutofit/>
+          </a:bodyPr>
+          <a:lstStyle>
+            <a:lvl1pPr algn="l">
+              <a:buNone/>
+              <a:defRPr sz="1600" i="1" baseline="0">
+                <a:solidFill>
+                  <a:srgbClr val="3191A7"/>
+                </a:solidFill>
+                <a:latin typeface="+mj-lt"/>
+                <a:ea typeface="맑은 고딕" pitchFamily="50" charset="-127"/>
+              </a:defRPr>
+            </a:lvl1pPr>
+            <a:lvl2pPr algn="l">
+              <a:buNone/>
+              <a:defRPr sz="1600" i="1" baseline="0">
+                <a:solidFill>
+                  <a:srgbClr val="3191A7"/>
+                </a:solidFill>
+                <a:latin typeface="+mj-lt"/>
+                <a:ea typeface="맑은 고딕" pitchFamily="50" charset="-127"/>
+              </a:defRPr>
+            </a:lvl2pPr>
+            <a:lvl3pPr algn="l">
+              <a:buNone/>
+              <a:defRPr sz="1600" i="1" baseline="0">
+                <a:solidFill>
+                  <a:srgbClr val="3191A7"/>
+                </a:solidFill>
+                <a:latin typeface="+mj-lt"/>
+                <a:ea typeface="맑은 고딕" pitchFamily="50" charset="-127"/>
+              </a:defRPr>
+            </a:lvl3pPr>
+            <a:lvl4pPr algn="l">
+              <a:buNone/>
+              <a:defRPr sz="1600" i="1" baseline="0">
+                <a:solidFill>
+                  <a:srgbClr val="3191A7"/>
+                </a:solidFill>
+                <a:latin typeface="+mj-lt"/>
+                <a:ea typeface="맑은 고딕" pitchFamily="50" charset="-127"/>
+              </a:defRPr>
+            </a:lvl4pPr>
+            <a:lvl5pPr algn="l">
+              <a:buNone/>
+              <a:defRPr sz="1600" i="1" baseline="0">
+                <a:solidFill>
+                  <a:srgbClr val="3191A7"/>
+                </a:solidFill>
+                <a:latin typeface="+mj-lt"/>
+                <a:ea typeface="맑은 고딕" pitchFamily="50" charset="-127"/>
+              </a:defRPr>
+            </a:lvl5pPr>
+          </a:lstStyle>
+          <a:p>
+            <a:pPr lvl="0"/>
+            <a:r>
+              <a:rPr lang="ko-KR" altLang="en-US" dirty="0"/>
+              <a:t>마스터 텍스트 스타일을 편집합니다</a:t>
+            </a:r>
+          </a:p>
+          <a:p>
+            <a:pPr lvl="1"/>
+            <a:r>
+              <a:rPr lang="ko-KR" altLang="en-US" dirty="0"/>
+              <a:t>둘째 수준</a:t>
+            </a:r>
+          </a:p>
+          <a:p>
+            <a:pPr lvl="2"/>
+            <a:r>
+              <a:rPr lang="ko-KR" altLang="en-US" dirty="0"/>
+              <a:t>셋째 수준</a:t>
+            </a:r>
+          </a:p>
+          <a:p>
+            <a:pPr lvl="3"/>
+            <a:r>
+              <a:rPr lang="ko-KR" altLang="en-US" dirty="0"/>
+              <a:t>넷째 수준</a:t>
+            </a:r>
+          </a:p>
+          <a:p>
+            <a:pPr lvl="4"/>
+            <a:r>
+              <a:rPr lang="ko-KR" altLang="en-US" dirty="0"/>
+              <a:t>다섯째 수준</a:t>
+            </a:r>
+          </a:p>
+        </p:txBody>
+      </p:sp>
+    </p:spTree>
+    <p:extLst>
+      <p:ext uri="{BB962C8B-B14F-4D97-AF65-F5344CB8AC3E}">
+        <p14:creationId xmlns:p14="http://schemas.microsoft.com/office/powerpoint/2010/main" val="1877463479"/>
       </p:ext>
     </p:extLst>
   </p:cSld>
@@ -1136,7 +1456,7 @@
             <a:fld id="{272C3D53-FEDF-49EC-8F65-FFFC138B637E}" type="datetimeFigureOut">
               <a:rPr lang="ko-KR" altLang="en-US" smtClean="0"/>
               <a:pPr/>
-              <a:t>2020-03-28</a:t>
+              <a:t>2020-04-09</a:t>
             </a:fld>
             <a:endParaRPr lang="ko-KR" altLang="en-US"/>
           </a:p>
@@ -1384,7 +1704,7 @@
             <a:fld id="{272C3D53-FEDF-49EC-8F65-FFFC138B637E}" type="datetimeFigureOut">
               <a:rPr lang="ko-KR" altLang="en-US" smtClean="0"/>
               <a:pPr/>
-              <a:t>2020-03-28</a:t>
+              <a:t>2020-04-09</a:t>
             </a:fld>
             <a:endParaRPr lang="ko-KR" altLang="en-US"/>
           </a:p>
@@ -1618,7 +1938,7 @@
             <a:fld id="{272C3D53-FEDF-49EC-8F65-FFFC138B637E}" type="datetimeFigureOut">
               <a:rPr lang="ko-KR" altLang="en-US" smtClean="0"/>
               <a:pPr/>
-              <a:t>2020-03-28</a:t>
+              <a:t>2020-04-09</a:t>
             </a:fld>
             <a:endParaRPr lang="ko-KR" altLang="en-US"/>
           </a:p>
@@ -1987,7 +2307,7 @@
             <a:fld id="{272C3D53-FEDF-49EC-8F65-FFFC138B637E}" type="datetimeFigureOut">
               <a:rPr lang="ko-KR" altLang="en-US" smtClean="0"/>
               <a:pPr/>
-              <a:t>2020-03-28</a:t>
+              <a:t>2020-04-09</a:t>
             </a:fld>
             <a:endParaRPr lang="ko-KR" altLang="en-US"/>
           </a:p>
@@ -2107,7 +2427,7 @@
             <a:fld id="{272C3D53-FEDF-49EC-8F65-FFFC138B637E}" type="datetimeFigureOut">
               <a:rPr lang="ko-KR" altLang="en-US" smtClean="0"/>
               <a:pPr/>
-              <a:t>2020-03-28</a:t>
+              <a:t>2020-04-09</a:t>
             </a:fld>
             <a:endParaRPr lang="ko-KR" altLang="en-US"/>
           </a:p>
@@ -2204,7 +2524,7 @@
             <a:fld id="{272C3D53-FEDF-49EC-8F65-FFFC138B637E}" type="datetimeFigureOut">
               <a:rPr lang="ko-KR" altLang="en-US" smtClean="0"/>
               <a:pPr/>
-              <a:t>2020-03-28</a:t>
+              <a:t>2020-04-09</a:t>
             </a:fld>
             <a:endParaRPr lang="ko-KR" altLang="en-US"/>
           </a:p>
@@ -2483,7 +2803,7 @@
             <a:fld id="{272C3D53-FEDF-49EC-8F65-FFFC138B637E}" type="datetimeFigureOut">
               <a:rPr lang="ko-KR" altLang="en-US" smtClean="0"/>
               <a:pPr/>
-              <a:t>2020-03-28</a:t>
+              <a:t>2020-04-09</a:t>
             </a:fld>
             <a:endParaRPr lang="ko-KR" altLang="en-US"/>
           </a:p>
@@ -2738,7 +3058,7 @@
             <a:fld id="{272C3D53-FEDF-49EC-8F65-FFFC138B637E}" type="datetimeFigureOut">
               <a:rPr lang="ko-KR" altLang="en-US" smtClean="0"/>
               <a:pPr/>
-              <a:t>2020-03-28</a:t>
+              <a:t>2020-04-09</a:t>
             </a:fld>
             <a:endParaRPr lang="ko-KR" altLang="en-US"/>
           </a:p>
@@ -2953,7 +3273,7 @@
             <a:fld id="{272C3D53-FEDF-49EC-8F65-FFFC138B637E}" type="datetimeFigureOut">
               <a:rPr lang="ko-KR" altLang="en-US" smtClean="0"/>
               <a:pPr/>
-              <a:t>2020-03-28</a:t>
+              <a:t>2020-04-09</a:t>
             </a:fld>
             <a:endParaRPr lang="ko-KR" altLang="en-US"/>
           </a:p>
@@ -3058,6 +3378,7 @@
     <p:sldLayoutId id="2147483657" r:id="rId9"/>
     <p:sldLayoutId id="2147483658" r:id="rId10"/>
     <p:sldLayoutId id="2147483659" r:id="rId11"/>
+    <p:sldLayoutId id="2147483660" r:id="rId12"/>
   </p:sldLayoutIdLst>
   <p:txStyles>
     <p:titleStyle>
@@ -3444,6 +3765,4433 @@
 </p:sld>
 </file>
 
+<file path=ppt/slides/slide2.xml><?xml version="1.0" encoding="utf-8"?>
+<p:sld xmlns:a="http://schemas.openxmlformats.org/drawingml/2006/main" xmlns:r="http://schemas.openxmlformats.org/officeDocument/2006/relationships" xmlns:p="http://schemas.openxmlformats.org/presentationml/2006/main">
+  <p:cSld>
+    <p:spTree>
+      <p:nvGrpSpPr>
+        <p:cNvPr id="1" name=""/>
+        <p:cNvGrpSpPr/>
+        <p:nvPr/>
+      </p:nvGrpSpPr>
+      <p:grpSpPr>
+        <a:xfrm>
+          <a:off x="0" y="0"/>
+          <a:ext cx="0" cy="0"/>
+          <a:chOff x="0" y="0"/>
+          <a:chExt cx="0" cy="0"/>
+        </a:xfrm>
+      </p:grpSpPr>
+      <p:sp>
+        <p:nvSpPr>
+          <p:cNvPr id="5" name="제목 1"/>
+          <p:cNvSpPr>
+            <a:spLocks noGrp="1"/>
+          </p:cNvSpPr>
+          <p:nvPr>
+            <p:ph type="title"/>
+          </p:nvPr>
+        </p:nvSpPr>
+        <p:spPr>
+          <a:xfrm>
+            <a:off x="1925506" y="116634"/>
+            <a:ext cx="7837090" cy="796925"/>
+          </a:xfrm>
+        </p:spPr>
+        <p:txBody>
+          <a:bodyPr/>
+          <a:lstStyle/>
+          <a:p>
+            <a:r>
+              <a:rPr lang="en-US" altLang="ko-KR" dirty="0" smtClean="0"/>
+              <a:t>[</a:t>
+            </a:r>
+            <a:r>
+              <a:rPr lang="ko-KR" altLang="en-US" dirty="0" smtClean="0"/>
+              <a:t>화면 설계</a:t>
+            </a:r>
+            <a:r>
+              <a:rPr lang="en-US" altLang="ko-KR" dirty="0"/>
+              <a:t>] </a:t>
+            </a:r>
+            <a:r>
+              <a:rPr lang="ko-KR" altLang="en-US" dirty="0" smtClean="0"/>
+              <a:t>사용자 </a:t>
+            </a:r>
+            <a:r>
+              <a:rPr lang="en-US" altLang="ko-KR" dirty="0" smtClean="0"/>
+              <a:t>- </a:t>
+            </a:r>
+            <a:r>
+              <a:rPr lang="ko-KR" altLang="en-US" dirty="0" smtClean="0"/>
+              <a:t>웹 </a:t>
+            </a:r>
+            <a:r>
+              <a:rPr lang="en-US" altLang="ko-KR" dirty="0" smtClean="0"/>
+              <a:t>- </a:t>
+            </a:r>
+            <a:r>
+              <a:rPr lang="ko-KR" altLang="en-US" dirty="0" smtClean="0"/>
+              <a:t>게시판 </a:t>
+            </a:r>
+            <a:r>
+              <a:rPr lang="en-US" altLang="ko-KR" dirty="0" smtClean="0"/>
+              <a:t>- </a:t>
+            </a:r>
+            <a:r>
+              <a:rPr lang="ko-KR" altLang="en-US" dirty="0" smtClean="0"/>
+              <a:t>공지사항</a:t>
+            </a:r>
+            <a:endParaRPr lang="ko-KR" altLang="en-US" dirty="0"/>
+          </a:p>
+        </p:txBody>
+      </p:sp>
+      <p:grpSp>
+        <p:nvGrpSpPr>
+          <p:cNvPr id="4" name="그룹 3"/>
+          <p:cNvGrpSpPr/>
+          <p:nvPr/>
+        </p:nvGrpSpPr>
+        <p:grpSpPr>
+          <a:xfrm>
+            <a:off x="10516241" y="5877272"/>
+            <a:ext cx="193918" cy="537004"/>
+            <a:chOff x="4815008" y="1484784"/>
+            <a:chExt cx="216024" cy="648072"/>
+          </a:xfrm>
+        </p:grpSpPr>
+        <p:sp>
+          <p:nvSpPr>
+            <p:cNvPr id="6" name="직사각형 5"/>
+            <p:cNvSpPr/>
+            <p:nvPr/>
+          </p:nvSpPr>
+          <p:spPr>
+            <a:xfrm>
+              <a:off x="4815008" y="1484784"/>
+              <a:ext cx="216024" cy="216024"/>
+            </a:xfrm>
+            <a:prstGeom prst="rect">
+              <a:avLst/>
+            </a:prstGeom>
+            <a:solidFill>
+              <a:srgbClr val="48C0DC"/>
+            </a:solidFill>
+            <a:ln>
+              <a:noFill/>
+            </a:ln>
+          </p:spPr>
+          <p:style>
+            <a:lnRef idx="2">
+              <a:schemeClr val="accent1">
+                <a:shade val="50000"/>
+              </a:schemeClr>
+            </a:lnRef>
+            <a:fillRef idx="1">
+              <a:schemeClr val="accent1"/>
+            </a:fillRef>
+            <a:effectRef idx="0">
+              <a:schemeClr val="accent1"/>
+            </a:effectRef>
+            <a:fontRef idx="minor">
+              <a:schemeClr val="lt1"/>
+            </a:fontRef>
+          </p:style>
+          <p:txBody>
+            <a:bodyPr rtlCol="0" anchor="ctr"/>
+            <a:lstStyle/>
+            <a:p>
+              <a:pPr algn="ctr"/>
+              <a:endParaRPr lang="ko-KR" altLang="en-US"/>
+            </a:p>
+          </p:txBody>
+        </p:sp>
+        <p:sp>
+          <p:nvSpPr>
+            <p:cNvPr id="7" name="직사각형 6"/>
+            <p:cNvSpPr/>
+            <p:nvPr/>
+          </p:nvSpPr>
+          <p:spPr>
+            <a:xfrm>
+              <a:off x="4815008" y="1700808"/>
+              <a:ext cx="216024" cy="216024"/>
+            </a:xfrm>
+            <a:prstGeom prst="rect">
+              <a:avLst/>
+            </a:prstGeom>
+            <a:solidFill>
+              <a:srgbClr val="194B57"/>
+            </a:solidFill>
+            <a:ln>
+              <a:noFill/>
+            </a:ln>
+          </p:spPr>
+          <p:style>
+            <a:lnRef idx="2">
+              <a:schemeClr val="accent1">
+                <a:shade val="50000"/>
+              </a:schemeClr>
+            </a:lnRef>
+            <a:fillRef idx="1">
+              <a:schemeClr val="accent1"/>
+            </a:fillRef>
+            <a:effectRef idx="0">
+              <a:schemeClr val="accent1"/>
+            </a:effectRef>
+            <a:fontRef idx="minor">
+              <a:schemeClr val="lt1"/>
+            </a:fontRef>
+          </p:style>
+          <p:txBody>
+            <a:bodyPr rtlCol="0" anchor="ctr"/>
+            <a:lstStyle/>
+            <a:p>
+              <a:pPr algn="ctr"/>
+              <a:endParaRPr lang="ko-KR" altLang="en-US"/>
+            </a:p>
+          </p:txBody>
+        </p:sp>
+        <p:sp>
+          <p:nvSpPr>
+            <p:cNvPr id="8" name="직사각형 7"/>
+            <p:cNvSpPr/>
+            <p:nvPr/>
+          </p:nvSpPr>
+          <p:spPr>
+            <a:xfrm>
+              <a:off x="4815008" y="1916832"/>
+              <a:ext cx="216024" cy="216024"/>
+            </a:xfrm>
+            <a:prstGeom prst="rect">
+              <a:avLst/>
+            </a:prstGeom>
+            <a:solidFill>
+              <a:srgbClr val="472179"/>
+            </a:solidFill>
+            <a:ln>
+              <a:noFill/>
+            </a:ln>
+          </p:spPr>
+          <p:style>
+            <a:lnRef idx="2">
+              <a:schemeClr val="accent1">
+                <a:shade val="50000"/>
+              </a:schemeClr>
+            </a:lnRef>
+            <a:fillRef idx="1">
+              <a:schemeClr val="accent1"/>
+            </a:fillRef>
+            <a:effectRef idx="0">
+              <a:schemeClr val="accent1"/>
+            </a:effectRef>
+            <a:fontRef idx="minor">
+              <a:schemeClr val="lt1"/>
+            </a:fontRef>
+          </p:style>
+          <p:txBody>
+            <a:bodyPr rtlCol="0" anchor="ctr"/>
+            <a:lstStyle/>
+            <a:p>
+              <a:pPr algn="ctr"/>
+              <a:endParaRPr lang="ko-KR" altLang="en-US">
+                <a:solidFill>
+                  <a:srgbClr val="6521AF"/>
+                </a:solidFill>
+              </a:endParaRPr>
+            </a:p>
+          </p:txBody>
+        </p:sp>
+      </p:grpSp>
+      <p:graphicFrame>
+        <p:nvGraphicFramePr>
+          <p:cNvPr id="9" name="Google Shape;169;g7c553259d1_0_81"/>
+          <p:cNvGraphicFramePr/>
+          <p:nvPr>
+            <p:extLst>
+              <p:ext uri="{D42A27DB-BD31-4B8C-83A1-F6EECF244321}">
+                <p14:modId xmlns:p14="http://schemas.microsoft.com/office/powerpoint/2010/main" val="2752678033"/>
+              </p:ext>
+            </p:extLst>
+          </p:nvPr>
+        </p:nvGraphicFramePr>
+        <p:xfrm>
+          <a:off x="8458885" y="2373467"/>
+          <a:ext cx="3532000" cy="4040809"/>
+        </p:xfrm>
+        <a:graphic>
+          <a:graphicData uri="http://schemas.openxmlformats.org/drawingml/2006/table">
+            <a:tbl>
+              <a:tblPr firstRow="1" bandRow="1">
+                <a:noFill/>
+              </a:tblPr>
+              <a:tblGrid>
+                <a:gridCol w="382900">
+                  <a:extLst>
+                    <a:ext uri="{9D8B030D-6E8A-4147-A177-3AD203B41FA5}">
+                      <a16:colId xmlns:a16="http://schemas.microsoft.com/office/drawing/2014/main" xmlns="" val="20000"/>
+                    </a:ext>
+                  </a:extLst>
+                </a:gridCol>
+                <a:gridCol w="3149100">
+                  <a:extLst>
+                    <a:ext uri="{9D8B030D-6E8A-4147-A177-3AD203B41FA5}">
+                      <a16:colId xmlns:a16="http://schemas.microsoft.com/office/drawing/2014/main" xmlns="" val="20001"/>
+                    </a:ext>
+                  </a:extLst>
+                </a:gridCol>
+              </a:tblGrid>
+              <a:tr h="326207">
+                <a:tc>
+                  <a:txBody>
+                    <a:bodyPr/>
+                    <a:lstStyle/>
+                    <a:p>
+                      <a:pPr marL="0" marR="0" lvl="0" indent="0" algn="ctr" rtl="0">
+                        <a:lnSpc>
+                          <a:spcPct val="100000"/>
+                        </a:lnSpc>
+                        <a:spcBef>
+                          <a:spcPts val="0"/>
+                        </a:spcBef>
+                        <a:spcAft>
+                          <a:spcPts val="0"/>
+                        </a:spcAft>
+                        <a:buClr>
+                          <a:srgbClr val="000000"/>
+                        </a:buClr>
+                        <a:buSzPts val="1500"/>
+                        <a:buFont typeface="Arial"/>
+                        <a:buNone/>
+                      </a:pPr>
+                      <a:r>
+                        <a:rPr lang="ko-KR" sz="1500" u="none" strike="noStrike" cap="none" dirty="0">
+                          <a:solidFill>
+                            <a:schemeClr val="dk1"/>
+                          </a:solidFill>
+                        </a:rPr>
+                        <a:t>#</a:t>
+                      </a:r>
+                      <a:endParaRPr sz="1500" u="none" strike="noStrike" cap="none" dirty="0">
+                        <a:solidFill>
+                          <a:schemeClr val="dk1"/>
+                        </a:solidFill>
+                      </a:endParaRPr>
+                    </a:p>
+                  </a:txBody>
+                  <a:tcPr marL="91450" marR="91450" marT="45725" marB="45725" anchor="ctr">
+                    <a:lnL w="12700" cap="flat" cmpd="sng">
+                      <a:solidFill>
+                        <a:schemeClr val="dk1"/>
+                      </a:solidFill>
+                      <a:prstDash val="solid"/>
+                      <a:round/>
+                      <a:headEnd type="none" w="sm" len="sm"/>
+                      <a:tailEnd type="none" w="sm" len="sm"/>
+                    </a:lnL>
+                    <a:lnR w="12700" cap="flat" cmpd="sng">
+                      <a:solidFill>
+                        <a:schemeClr val="dk1"/>
+                      </a:solidFill>
+                      <a:prstDash val="solid"/>
+                      <a:round/>
+                      <a:headEnd type="none" w="sm" len="sm"/>
+                      <a:tailEnd type="none" w="sm" len="sm"/>
+                    </a:lnR>
+                    <a:lnT w="12700" cap="flat" cmpd="sng">
+                      <a:solidFill>
+                        <a:schemeClr val="dk1"/>
+                      </a:solidFill>
+                      <a:prstDash val="solid"/>
+                      <a:round/>
+                      <a:headEnd type="none" w="sm" len="sm"/>
+                      <a:tailEnd type="none" w="sm" len="sm"/>
+                    </a:lnT>
+                    <a:lnB w="12700" cap="flat" cmpd="sng">
+                      <a:solidFill>
+                        <a:schemeClr val="dk1"/>
+                      </a:solidFill>
+                      <a:prstDash val="solid"/>
+                      <a:round/>
+                      <a:headEnd type="none" w="sm" len="sm"/>
+                      <a:tailEnd type="none" w="sm" len="sm"/>
+                    </a:lnB>
+                    <a:solidFill>
+                      <a:srgbClr val="D8D8D8"/>
+                    </a:solidFill>
+                  </a:tcPr>
+                </a:tc>
+                <a:tc>
+                  <a:txBody>
+                    <a:bodyPr/>
+                    <a:lstStyle/>
+                    <a:p>
+                      <a:pPr marL="0" marR="0" lvl="0" indent="0" algn="ctr" rtl="0">
+                        <a:lnSpc>
+                          <a:spcPct val="100000"/>
+                        </a:lnSpc>
+                        <a:spcBef>
+                          <a:spcPts val="0"/>
+                        </a:spcBef>
+                        <a:spcAft>
+                          <a:spcPts val="0"/>
+                        </a:spcAft>
+                        <a:buClr>
+                          <a:srgbClr val="000000"/>
+                        </a:buClr>
+                        <a:buSzPts val="1500"/>
+                        <a:buFont typeface="Arial"/>
+                        <a:buNone/>
+                      </a:pPr>
+                      <a:endParaRPr sz="1500" u="none" strike="noStrike" cap="none" dirty="0">
+                        <a:solidFill>
+                          <a:schemeClr val="dk1"/>
+                        </a:solidFill>
+                      </a:endParaRPr>
+                    </a:p>
+                  </a:txBody>
+                  <a:tcPr marL="91450" marR="91450" marT="45725" marB="45725" anchor="ctr">
+                    <a:lnL w="12700" cap="flat" cmpd="sng">
+                      <a:solidFill>
+                        <a:schemeClr val="dk1"/>
+                      </a:solidFill>
+                      <a:prstDash val="solid"/>
+                      <a:round/>
+                      <a:headEnd type="none" w="sm" len="sm"/>
+                      <a:tailEnd type="none" w="sm" len="sm"/>
+                    </a:lnL>
+                    <a:lnR w="12700" cap="flat" cmpd="sng">
+                      <a:solidFill>
+                        <a:schemeClr val="dk1"/>
+                      </a:solidFill>
+                      <a:prstDash val="solid"/>
+                      <a:round/>
+                      <a:headEnd type="none" w="sm" len="sm"/>
+                      <a:tailEnd type="none" w="sm" len="sm"/>
+                    </a:lnR>
+                    <a:lnT w="12700" cap="flat" cmpd="sng">
+                      <a:solidFill>
+                        <a:schemeClr val="dk1"/>
+                      </a:solidFill>
+                      <a:prstDash val="solid"/>
+                      <a:round/>
+                      <a:headEnd type="none" w="sm" len="sm"/>
+                      <a:tailEnd type="none" w="sm" len="sm"/>
+                    </a:lnT>
+                    <a:lnB w="12700" cap="flat" cmpd="sng">
+                      <a:solidFill>
+                        <a:schemeClr val="dk1"/>
+                      </a:solidFill>
+                      <a:prstDash val="solid"/>
+                      <a:round/>
+                      <a:headEnd type="none" w="sm" len="sm"/>
+                      <a:tailEnd type="none" w="sm" len="sm"/>
+                    </a:lnB>
+                    <a:solidFill>
+                      <a:srgbClr val="D8D8D8"/>
+                    </a:solidFill>
+                  </a:tcPr>
+                </a:tc>
+                <a:extLst>
+                  <a:ext uri="{0D108BD9-81ED-4DB2-BD59-A6C34878D82A}">
+                    <a16:rowId xmlns:a16="http://schemas.microsoft.com/office/drawing/2014/main" xmlns="" val="10000"/>
+                  </a:ext>
+                </a:extLst>
+              </a:tr>
+              <a:tr h="485007">
+                <a:tc>
+                  <a:txBody>
+                    <a:bodyPr/>
+                    <a:lstStyle/>
+                    <a:p>
+                      <a:pPr marL="0" marR="0" lvl="0" indent="0" algn="ctr" rtl="0">
+                        <a:lnSpc>
+                          <a:spcPct val="100000"/>
+                        </a:lnSpc>
+                        <a:spcBef>
+                          <a:spcPts val="0"/>
+                        </a:spcBef>
+                        <a:spcAft>
+                          <a:spcPts val="0"/>
+                        </a:spcAft>
+                        <a:buClr>
+                          <a:srgbClr val="000000"/>
+                        </a:buClr>
+                        <a:buSzPts val="1500"/>
+                        <a:buFont typeface="Arial"/>
+                        <a:buNone/>
+                      </a:pPr>
+                      <a:r>
+                        <a:rPr lang="en-US" altLang="ko-KR" sz="1500" dirty="0"/>
+                        <a:t>1</a:t>
+                      </a:r>
+                      <a:endParaRPr sz="1500" dirty="0"/>
+                    </a:p>
+                  </a:txBody>
+                  <a:tcPr marL="91450" marR="91450" marT="45725" marB="45725" anchor="ctr">
+                    <a:lnL w="12700" cap="flat" cmpd="sng">
+                      <a:solidFill>
+                        <a:schemeClr val="dk1"/>
+                      </a:solidFill>
+                      <a:prstDash val="solid"/>
+                      <a:round/>
+                      <a:headEnd type="none" w="sm" len="sm"/>
+                      <a:tailEnd type="none" w="sm" len="sm"/>
+                    </a:lnL>
+                    <a:lnR w="12700" cap="flat" cmpd="sng">
+                      <a:solidFill>
+                        <a:schemeClr val="dk1"/>
+                      </a:solidFill>
+                      <a:prstDash val="solid"/>
+                      <a:round/>
+                      <a:headEnd type="none" w="sm" len="sm"/>
+                      <a:tailEnd type="none" w="sm" len="sm"/>
+                    </a:lnR>
+                    <a:lnT w="12700" cap="flat" cmpd="sng">
+                      <a:solidFill>
+                        <a:schemeClr val="dk1"/>
+                      </a:solidFill>
+                      <a:prstDash val="solid"/>
+                      <a:round/>
+                      <a:headEnd type="none" w="sm" len="sm"/>
+                      <a:tailEnd type="none" w="sm" len="sm"/>
+                    </a:lnT>
+                    <a:lnB w="12700" cap="flat" cmpd="sng">
+                      <a:solidFill>
+                        <a:schemeClr val="dk1"/>
+                      </a:solidFill>
+                      <a:prstDash val="solid"/>
+                      <a:round/>
+                      <a:headEnd type="none" w="sm" len="sm"/>
+                      <a:tailEnd type="none" w="sm" len="sm"/>
+                    </a:lnB>
+                    <a:solidFill>
+                      <a:schemeClr val="lt1"/>
+                    </a:solidFill>
+                  </a:tcPr>
+                </a:tc>
+                <a:tc>
+                  <a:txBody>
+                    <a:bodyPr/>
+                    <a:lstStyle/>
+                    <a:p>
+                      <a:pPr marL="0" marR="0" lvl="0" indent="0" algn="l">
+                        <a:lnSpc>
+                          <a:spcPct val="100000"/>
+                        </a:lnSpc>
+                        <a:spcBef>
+                          <a:spcPts val="0"/>
+                        </a:spcBef>
+                        <a:spcAft>
+                          <a:spcPts val="0"/>
+                        </a:spcAft>
+                        <a:buNone/>
+                      </a:pPr>
+                      <a:r>
+                        <a:rPr lang="ko-KR" altLang="en-US" sz="1500" b="0" i="0" u="none" strike="noStrike" cap="none" noProof="0" dirty="0" err="1" smtClean="0">
+                          <a:latin typeface="맑은 고딕"/>
+                        </a:rPr>
+                        <a:t>검색어</a:t>
+                      </a:r>
+                      <a:r>
+                        <a:rPr lang="ko-KR" altLang="en-US" sz="1500" b="0" i="0" u="none" strike="noStrike" cap="none" noProof="0" dirty="0" smtClean="0">
+                          <a:latin typeface="맑은 고딕"/>
+                        </a:rPr>
+                        <a:t> 입력을 통한 공지사항 검색</a:t>
+                      </a:r>
+                      <a:endParaRPr altLang="en-US" sz="1500" b="0" i="0" u="none" strike="noStrike" cap="none" noProof="0" dirty="0">
+                        <a:latin typeface="맑은 고딕"/>
+                      </a:endParaRPr>
+                    </a:p>
+                  </a:txBody>
+                  <a:tcPr marL="91450" marR="91450" marT="45725" marB="45725">
+                    <a:lnL w="12700" cap="flat" cmpd="sng">
+                      <a:solidFill>
+                        <a:schemeClr val="dk1"/>
+                      </a:solidFill>
+                      <a:prstDash val="solid"/>
+                      <a:round/>
+                      <a:headEnd type="none" w="sm" len="sm"/>
+                      <a:tailEnd type="none" w="sm" len="sm"/>
+                    </a:lnL>
+                    <a:lnR w="12700" cap="flat" cmpd="sng">
+                      <a:solidFill>
+                        <a:schemeClr val="dk1"/>
+                      </a:solidFill>
+                      <a:prstDash val="solid"/>
+                      <a:round/>
+                      <a:headEnd type="none" w="sm" len="sm"/>
+                      <a:tailEnd type="none" w="sm" len="sm"/>
+                    </a:lnR>
+                    <a:lnT w="12700" cap="flat" cmpd="sng">
+                      <a:solidFill>
+                        <a:schemeClr val="dk1"/>
+                      </a:solidFill>
+                      <a:prstDash val="solid"/>
+                      <a:round/>
+                      <a:headEnd type="none" w="sm" len="sm"/>
+                      <a:tailEnd type="none" w="sm" len="sm"/>
+                    </a:lnT>
+                    <a:lnB w="12700" cap="flat" cmpd="sng">
+                      <a:solidFill>
+                        <a:schemeClr val="dk1"/>
+                      </a:solidFill>
+                      <a:prstDash val="solid"/>
+                      <a:round/>
+                      <a:headEnd type="none" w="sm" len="sm"/>
+                      <a:tailEnd type="none" w="sm" len="sm"/>
+                    </a:lnB>
+                    <a:solidFill>
+                      <a:schemeClr val="lt1"/>
+                    </a:solidFill>
+                  </a:tcPr>
+                </a:tc>
+                <a:extLst>
+                  <a:ext uri="{0D108BD9-81ED-4DB2-BD59-A6C34878D82A}">
+                    <a16:rowId xmlns:a16="http://schemas.microsoft.com/office/drawing/2014/main" xmlns="" val="10001"/>
+                  </a:ext>
+                </a:extLst>
+              </a:tr>
+              <a:tr h="446498">
+                <a:tc>
+                  <a:txBody>
+                    <a:bodyPr/>
+                    <a:lstStyle/>
+                    <a:p>
+                      <a:pPr marL="0" marR="0" lvl="0" indent="0" algn="ctr" rtl="0">
+                        <a:lnSpc>
+                          <a:spcPct val="100000"/>
+                        </a:lnSpc>
+                        <a:spcBef>
+                          <a:spcPts val="0"/>
+                        </a:spcBef>
+                        <a:spcAft>
+                          <a:spcPts val="0"/>
+                        </a:spcAft>
+                        <a:buClr>
+                          <a:srgbClr val="000000"/>
+                        </a:buClr>
+                        <a:buSzPts val="1500"/>
+                        <a:buFont typeface="Arial"/>
+                        <a:buNone/>
+                      </a:pPr>
+                      <a:r>
+                        <a:rPr lang="en-US" altLang="ko-KR" sz="1500" u="none" strike="noStrike" cap="none" dirty="0">
+                          <a:solidFill>
+                            <a:schemeClr val="dk1"/>
+                          </a:solidFill>
+                        </a:rPr>
+                        <a:t>2</a:t>
+                      </a:r>
+                      <a:endParaRPr sz="1500" u="none" strike="noStrike" cap="none" dirty="0">
+                        <a:solidFill>
+                          <a:schemeClr val="dk1"/>
+                        </a:solidFill>
+                      </a:endParaRPr>
+                    </a:p>
+                  </a:txBody>
+                  <a:tcPr marL="91450" marR="91450" marT="45725" marB="45725" anchor="ctr">
+                    <a:lnL w="12700" cap="flat" cmpd="sng">
+                      <a:solidFill>
+                        <a:schemeClr val="dk1"/>
+                      </a:solidFill>
+                      <a:prstDash val="solid"/>
+                      <a:round/>
+                      <a:headEnd type="none" w="sm" len="sm"/>
+                      <a:tailEnd type="none" w="sm" len="sm"/>
+                    </a:lnL>
+                    <a:lnR w="12700" cap="flat" cmpd="sng">
+                      <a:solidFill>
+                        <a:schemeClr val="dk1"/>
+                      </a:solidFill>
+                      <a:prstDash val="solid"/>
+                      <a:round/>
+                      <a:headEnd type="none" w="sm" len="sm"/>
+                      <a:tailEnd type="none" w="sm" len="sm"/>
+                    </a:lnR>
+                    <a:lnT w="12700" cap="flat" cmpd="sng">
+                      <a:solidFill>
+                        <a:schemeClr val="dk1"/>
+                      </a:solidFill>
+                      <a:prstDash val="solid"/>
+                      <a:round/>
+                      <a:headEnd type="none" w="sm" len="sm"/>
+                      <a:tailEnd type="none" w="sm" len="sm"/>
+                    </a:lnT>
+                    <a:lnB w="12700" cap="flat" cmpd="sng">
+                      <a:solidFill>
+                        <a:schemeClr val="dk1"/>
+                      </a:solidFill>
+                      <a:prstDash val="solid"/>
+                      <a:round/>
+                      <a:headEnd type="none" w="sm" len="sm"/>
+                      <a:tailEnd type="none" w="sm" len="sm"/>
+                    </a:lnB>
+                    <a:solidFill>
+                      <a:schemeClr val="lt1"/>
+                    </a:solidFill>
+                  </a:tcPr>
+                </a:tc>
+                <a:tc>
+                  <a:txBody>
+                    <a:bodyPr/>
+                    <a:lstStyle/>
+                    <a:p>
+                      <a:pPr marL="0" marR="0" lvl="0" indent="0" algn="l">
+                        <a:lnSpc>
+                          <a:spcPct val="100000"/>
+                        </a:lnSpc>
+                        <a:spcBef>
+                          <a:spcPts val="0"/>
+                        </a:spcBef>
+                        <a:spcAft>
+                          <a:spcPts val="0"/>
+                        </a:spcAft>
+                        <a:buNone/>
+                      </a:pPr>
+                      <a:r>
+                        <a:rPr lang="ko-KR" altLang="en-US" sz="1500" b="0" i="0" u="none" strike="noStrike" cap="none" noProof="0" dirty="0" smtClean="0">
+                          <a:latin typeface="Malgun Gothic"/>
+                          <a:ea typeface="Malgun Gothic"/>
+                        </a:rPr>
+                        <a:t>제목을 클릭하면 </a:t>
+                      </a:r>
+                      <a:r>
+                        <a:rPr lang="en-US" altLang="ko-KR" sz="1500" b="0" i="0" u="none" strike="noStrike" cap="none" noProof="0" dirty="0" smtClean="0">
+                          <a:latin typeface="Malgun Gothic"/>
+                          <a:ea typeface="Malgun Gothic"/>
+                        </a:rPr>
+                        <a:t>summary, detail </a:t>
+                      </a:r>
+                      <a:r>
+                        <a:rPr lang="ko-KR" altLang="en-US" sz="1500" b="0" i="0" u="none" strike="noStrike" cap="none" noProof="0" dirty="0" smtClean="0">
+                          <a:latin typeface="Malgun Gothic"/>
+                          <a:ea typeface="Malgun Gothic"/>
+                        </a:rPr>
+                        <a:t>태그의 형식으로 공지사항 내용 표시</a:t>
+                      </a:r>
+                      <a:endParaRPr lang="ko-KR" altLang="en-US" sz="1500" b="0" i="0" u="none" strike="noStrike" cap="none" noProof="0" dirty="0">
+                        <a:latin typeface="Malgun Gothic"/>
+                        <a:ea typeface="Malgun Gothic"/>
+                      </a:endParaRPr>
+                    </a:p>
+                  </a:txBody>
+                  <a:tcPr marL="91450" marR="91450" marT="45725" marB="45725">
+                    <a:lnL w="12700" cap="flat" cmpd="sng">
+                      <a:solidFill>
+                        <a:schemeClr val="dk1"/>
+                      </a:solidFill>
+                      <a:prstDash val="solid"/>
+                      <a:round/>
+                      <a:headEnd type="none" w="sm" len="sm"/>
+                      <a:tailEnd type="none" w="sm" len="sm"/>
+                    </a:lnL>
+                    <a:lnR w="12700" cap="flat" cmpd="sng">
+                      <a:solidFill>
+                        <a:schemeClr val="dk1"/>
+                      </a:solidFill>
+                      <a:prstDash val="solid"/>
+                      <a:round/>
+                      <a:headEnd type="none" w="sm" len="sm"/>
+                      <a:tailEnd type="none" w="sm" len="sm"/>
+                    </a:lnR>
+                    <a:lnT w="12700" cap="flat" cmpd="sng">
+                      <a:solidFill>
+                        <a:schemeClr val="dk1"/>
+                      </a:solidFill>
+                      <a:prstDash val="solid"/>
+                      <a:round/>
+                      <a:headEnd type="none" w="sm" len="sm"/>
+                      <a:tailEnd type="none" w="sm" len="sm"/>
+                    </a:lnT>
+                    <a:lnB w="12700" cap="flat" cmpd="sng">
+                      <a:solidFill>
+                        <a:schemeClr val="dk1"/>
+                      </a:solidFill>
+                      <a:prstDash val="solid"/>
+                      <a:round/>
+                      <a:headEnd type="none" w="sm" len="sm"/>
+                      <a:tailEnd type="none" w="sm" len="sm"/>
+                    </a:lnB>
+                    <a:solidFill>
+                      <a:schemeClr val="lt1"/>
+                    </a:solidFill>
+                  </a:tcPr>
+                </a:tc>
+                <a:extLst>
+                  <a:ext uri="{0D108BD9-81ED-4DB2-BD59-A6C34878D82A}">
+                    <a16:rowId xmlns:a16="http://schemas.microsoft.com/office/drawing/2014/main" xmlns="" val="10002"/>
+                  </a:ext>
+                </a:extLst>
+              </a:tr>
+              <a:tr h="516541">
+                <a:tc>
+                  <a:txBody>
+                    <a:bodyPr/>
+                    <a:lstStyle/>
+                    <a:p>
+                      <a:pPr marL="0" marR="0" lvl="0" indent="0" algn="ctr" rtl="0">
+                        <a:lnSpc>
+                          <a:spcPct val="100000"/>
+                        </a:lnSpc>
+                        <a:spcBef>
+                          <a:spcPts val="0"/>
+                        </a:spcBef>
+                        <a:spcAft>
+                          <a:spcPts val="0"/>
+                        </a:spcAft>
+                        <a:buClr>
+                          <a:srgbClr val="000000"/>
+                        </a:buClr>
+                        <a:buSzPts val="1500"/>
+                        <a:buFont typeface="Arial"/>
+                        <a:buNone/>
+                      </a:pPr>
+                      <a:r>
+                        <a:rPr lang="en-US" altLang="ko-KR" sz="1500" u="none" strike="noStrike" cap="none" dirty="0">
+                          <a:solidFill>
+                            <a:schemeClr val="dk1"/>
+                          </a:solidFill>
+                        </a:rPr>
+                        <a:t>3</a:t>
+                      </a:r>
+                      <a:endParaRPr sz="1500" u="none" strike="noStrike" cap="none" dirty="0">
+                        <a:solidFill>
+                          <a:schemeClr val="dk1"/>
+                        </a:solidFill>
+                      </a:endParaRPr>
+                    </a:p>
+                  </a:txBody>
+                  <a:tcPr marL="91450" marR="91450" marT="45725" marB="45725" anchor="ctr">
+                    <a:lnL w="12700" cap="flat" cmpd="sng">
+                      <a:solidFill>
+                        <a:schemeClr val="dk1"/>
+                      </a:solidFill>
+                      <a:prstDash val="solid"/>
+                      <a:round/>
+                      <a:headEnd type="none" w="sm" len="sm"/>
+                      <a:tailEnd type="none" w="sm" len="sm"/>
+                    </a:lnL>
+                    <a:lnR w="12700" cap="flat" cmpd="sng">
+                      <a:solidFill>
+                        <a:schemeClr val="dk1"/>
+                      </a:solidFill>
+                      <a:prstDash val="solid"/>
+                      <a:round/>
+                      <a:headEnd type="none" w="sm" len="sm"/>
+                      <a:tailEnd type="none" w="sm" len="sm"/>
+                    </a:lnR>
+                    <a:lnT w="12700" cap="flat" cmpd="sng">
+                      <a:solidFill>
+                        <a:schemeClr val="dk1"/>
+                      </a:solidFill>
+                      <a:prstDash val="solid"/>
+                      <a:round/>
+                      <a:headEnd type="none" w="sm" len="sm"/>
+                      <a:tailEnd type="none" w="sm" len="sm"/>
+                    </a:lnT>
+                    <a:lnB w="12700" cap="flat" cmpd="sng">
+                      <a:solidFill>
+                        <a:schemeClr val="dk1"/>
+                      </a:solidFill>
+                      <a:prstDash val="solid"/>
+                      <a:round/>
+                      <a:headEnd type="none" w="sm" len="sm"/>
+                      <a:tailEnd type="none" w="sm" len="sm"/>
+                    </a:lnB>
+                    <a:solidFill>
+                      <a:schemeClr val="lt1"/>
+                    </a:solidFill>
+                  </a:tcPr>
+                </a:tc>
+                <a:tc>
+                  <a:txBody>
+                    <a:bodyPr/>
+                    <a:lstStyle/>
+                    <a:p>
+                      <a:pPr marL="0" marR="0" lvl="0" indent="0" algn="l" rtl="0">
+                        <a:lnSpc>
+                          <a:spcPct val="100000"/>
+                        </a:lnSpc>
+                        <a:spcBef>
+                          <a:spcPts val="0"/>
+                        </a:spcBef>
+                        <a:spcAft>
+                          <a:spcPts val="0"/>
+                        </a:spcAft>
+                        <a:buFont typeface="Arial"/>
+                        <a:buNone/>
+                      </a:pPr>
+                      <a:endParaRPr sz="1500" u="none" strike="noStrike" cap="none" dirty="0">
+                        <a:solidFill>
+                          <a:schemeClr val="dk1"/>
+                        </a:solidFill>
+                      </a:endParaRPr>
+                    </a:p>
+                  </a:txBody>
+                  <a:tcPr marL="91450" marR="91450" marT="45725" marB="45725">
+                    <a:lnL w="12700" cap="flat" cmpd="sng">
+                      <a:solidFill>
+                        <a:schemeClr val="dk1"/>
+                      </a:solidFill>
+                      <a:prstDash val="solid"/>
+                      <a:round/>
+                      <a:headEnd type="none" w="sm" len="sm"/>
+                      <a:tailEnd type="none" w="sm" len="sm"/>
+                    </a:lnL>
+                    <a:lnR w="12700" cap="flat" cmpd="sng">
+                      <a:solidFill>
+                        <a:schemeClr val="dk1"/>
+                      </a:solidFill>
+                      <a:prstDash val="solid"/>
+                      <a:round/>
+                      <a:headEnd type="none" w="sm" len="sm"/>
+                      <a:tailEnd type="none" w="sm" len="sm"/>
+                    </a:lnR>
+                    <a:lnT w="12700" cap="flat" cmpd="sng">
+                      <a:solidFill>
+                        <a:schemeClr val="dk1"/>
+                      </a:solidFill>
+                      <a:prstDash val="solid"/>
+                      <a:round/>
+                      <a:headEnd type="none" w="sm" len="sm"/>
+                      <a:tailEnd type="none" w="sm" len="sm"/>
+                    </a:lnT>
+                    <a:lnB w="12700" cap="flat" cmpd="sng">
+                      <a:solidFill>
+                        <a:schemeClr val="dk1"/>
+                      </a:solidFill>
+                      <a:prstDash val="solid"/>
+                      <a:round/>
+                      <a:headEnd type="none" w="sm" len="sm"/>
+                      <a:tailEnd type="none" w="sm" len="sm"/>
+                    </a:lnB>
+                    <a:solidFill>
+                      <a:schemeClr val="lt1"/>
+                    </a:solidFill>
+                  </a:tcPr>
+                </a:tc>
+                <a:extLst>
+                  <a:ext uri="{0D108BD9-81ED-4DB2-BD59-A6C34878D82A}">
+                    <a16:rowId xmlns:a16="http://schemas.microsoft.com/office/drawing/2014/main" xmlns="" val="10003"/>
+                  </a:ext>
+                </a:extLst>
+              </a:tr>
+              <a:tr h="457200">
+                <a:tc>
+                  <a:txBody>
+                    <a:bodyPr/>
+                    <a:lstStyle/>
+                    <a:p>
+                      <a:pPr marL="0" marR="0" lvl="0" indent="0" algn="ctr" rtl="0">
+                        <a:lnSpc>
+                          <a:spcPct val="100000"/>
+                        </a:lnSpc>
+                        <a:spcBef>
+                          <a:spcPts val="0"/>
+                        </a:spcBef>
+                        <a:spcAft>
+                          <a:spcPts val="0"/>
+                        </a:spcAft>
+                        <a:buClr>
+                          <a:srgbClr val="000000"/>
+                        </a:buClr>
+                        <a:buSzPts val="1500"/>
+                        <a:buFont typeface="Arial"/>
+                        <a:buNone/>
+                      </a:pPr>
+                      <a:r>
+                        <a:rPr lang="en-US" sz="1500" u="none" strike="noStrike" cap="none" dirty="0" smtClean="0">
+                          <a:solidFill>
+                            <a:schemeClr val="dk1"/>
+                          </a:solidFill>
+                        </a:rPr>
+                        <a:t>4</a:t>
+                      </a:r>
+                      <a:endParaRPr sz="1500" u="none" strike="noStrike" cap="none" dirty="0">
+                        <a:solidFill>
+                          <a:schemeClr val="dk1"/>
+                        </a:solidFill>
+                      </a:endParaRPr>
+                    </a:p>
+                  </a:txBody>
+                  <a:tcPr marL="91450" marR="91450" marT="45725" marB="45725" anchor="ctr">
+                    <a:lnL w="12700" cap="flat" cmpd="sng">
+                      <a:solidFill>
+                        <a:schemeClr val="dk1"/>
+                      </a:solidFill>
+                      <a:prstDash val="solid"/>
+                      <a:round/>
+                      <a:headEnd type="none" w="sm" len="sm"/>
+                      <a:tailEnd type="none" w="sm" len="sm"/>
+                    </a:lnL>
+                    <a:lnR w="12700" cap="flat" cmpd="sng">
+                      <a:solidFill>
+                        <a:schemeClr val="dk1"/>
+                      </a:solidFill>
+                      <a:prstDash val="solid"/>
+                      <a:round/>
+                      <a:headEnd type="none" w="sm" len="sm"/>
+                      <a:tailEnd type="none" w="sm" len="sm"/>
+                    </a:lnR>
+                    <a:lnT w="12700" cap="flat" cmpd="sng">
+                      <a:solidFill>
+                        <a:schemeClr val="dk1"/>
+                      </a:solidFill>
+                      <a:prstDash val="solid"/>
+                      <a:round/>
+                      <a:headEnd type="none" w="sm" len="sm"/>
+                      <a:tailEnd type="none" w="sm" len="sm"/>
+                    </a:lnT>
+                    <a:lnB w="12700" cap="flat" cmpd="sng">
+                      <a:solidFill>
+                        <a:schemeClr val="dk1"/>
+                      </a:solidFill>
+                      <a:prstDash val="solid"/>
+                      <a:round/>
+                      <a:headEnd type="none" w="sm" len="sm"/>
+                      <a:tailEnd type="none" w="sm" len="sm"/>
+                    </a:lnB>
+                    <a:solidFill>
+                      <a:schemeClr val="lt1"/>
+                    </a:solidFill>
+                  </a:tcPr>
+                </a:tc>
+                <a:tc>
+                  <a:txBody>
+                    <a:bodyPr/>
+                    <a:lstStyle/>
+                    <a:p>
+                      <a:pPr marL="0" marR="0" lvl="0" indent="0" algn="l" rtl="0">
+                        <a:lnSpc>
+                          <a:spcPct val="100000"/>
+                        </a:lnSpc>
+                        <a:spcBef>
+                          <a:spcPts val="0"/>
+                        </a:spcBef>
+                        <a:spcAft>
+                          <a:spcPts val="0"/>
+                        </a:spcAft>
+                        <a:buNone/>
+                      </a:pPr>
+                      <a:endParaRPr lang="en-US" altLang="ko-KR" sz="1500" u="none" strike="noStrike" cap="none" dirty="0" smtClean="0">
+                        <a:solidFill>
+                          <a:schemeClr val="dk1"/>
+                        </a:solidFill>
+                      </a:endParaRPr>
+                    </a:p>
+                  </a:txBody>
+                  <a:tcPr marL="91450" marR="91450" marT="45725" marB="45725">
+                    <a:lnL w="12700" cap="flat" cmpd="sng">
+                      <a:solidFill>
+                        <a:schemeClr val="dk1"/>
+                      </a:solidFill>
+                      <a:prstDash val="solid"/>
+                      <a:round/>
+                      <a:headEnd type="none" w="sm" len="sm"/>
+                      <a:tailEnd type="none" w="sm" len="sm"/>
+                    </a:lnL>
+                    <a:lnR w="12700" cap="flat" cmpd="sng">
+                      <a:solidFill>
+                        <a:schemeClr val="dk1"/>
+                      </a:solidFill>
+                      <a:prstDash val="solid"/>
+                      <a:round/>
+                      <a:headEnd type="none" w="sm" len="sm"/>
+                      <a:tailEnd type="none" w="sm" len="sm"/>
+                    </a:lnR>
+                    <a:lnT w="12700" cap="flat" cmpd="sng">
+                      <a:solidFill>
+                        <a:schemeClr val="dk1"/>
+                      </a:solidFill>
+                      <a:prstDash val="solid"/>
+                      <a:round/>
+                      <a:headEnd type="none" w="sm" len="sm"/>
+                      <a:tailEnd type="none" w="sm" len="sm"/>
+                    </a:lnT>
+                    <a:lnB w="12700" cap="flat" cmpd="sng">
+                      <a:solidFill>
+                        <a:schemeClr val="dk1"/>
+                      </a:solidFill>
+                      <a:prstDash val="solid"/>
+                      <a:round/>
+                      <a:headEnd type="none" w="sm" len="sm"/>
+                      <a:tailEnd type="none" w="sm" len="sm"/>
+                    </a:lnB>
+                    <a:solidFill>
+                      <a:schemeClr val="lt1"/>
+                    </a:solidFill>
+                  </a:tcPr>
+                </a:tc>
+                <a:extLst>
+                  <a:ext uri="{0D108BD9-81ED-4DB2-BD59-A6C34878D82A}">
+                    <a16:rowId xmlns:a16="http://schemas.microsoft.com/office/drawing/2014/main" xmlns="" val="10004"/>
+                  </a:ext>
+                </a:extLst>
+              </a:tr>
+              <a:tr h="482048">
+                <a:tc>
+                  <a:txBody>
+                    <a:bodyPr/>
+                    <a:lstStyle/>
+                    <a:p>
+                      <a:pPr marL="0" marR="0" lvl="0" indent="0" algn="ctr" rtl="0">
+                        <a:lnSpc>
+                          <a:spcPct val="100000"/>
+                        </a:lnSpc>
+                        <a:spcBef>
+                          <a:spcPts val="0"/>
+                        </a:spcBef>
+                        <a:spcAft>
+                          <a:spcPts val="0"/>
+                        </a:spcAft>
+                        <a:buClr>
+                          <a:srgbClr val="000000"/>
+                        </a:buClr>
+                        <a:buSzPts val="1500"/>
+                        <a:buFont typeface="Arial"/>
+                        <a:buNone/>
+                      </a:pPr>
+                      <a:r>
+                        <a:rPr lang="en-US" sz="1500" u="none" strike="noStrike" cap="none" dirty="0" smtClean="0">
+                          <a:solidFill>
+                            <a:schemeClr val="dk1"/>
+                          </a:solidFill>
+                        </a:rPr>
+                        <a:t>5</a:t>
+                      </a:r>
+                      <a:endParaRPr sz="1500" u="none" strike="noStrike" cap="none" dirty="0">
+                        <a:solidFill>
+                          <a:schemeClr val="dk1"/>
+                        </a:solidFill>
+                      </a:endParaRPr>
+                    </a:p>
+                  </a:txBody>
+                  <a:tcPr marL="91450" marR="91450" marT="45725" marB="45725" anchor="ctr">
+                    <a:lnL w="12700" cap="flat" cmpd="sng">
+                      <a:solidFill>
+                        <a:schemeClr val="dk1"/>
+                      </a:solidFill>
+                      <a:prstDash val="solid"/>
+                      <a:round/>
+                      <a:headEnd type="none" w="sm" len="sm"/>
+                      <a:tailEnd type="none" w="sm" len="sm"/>
+                    </a:lnL>
+                    <a:lnR w="12700" cap="flat" cmpd="sng">
+                      <a:solidFill>
+                        <a:schemeClr val="dk1"/>
+                      </a:solidFill>
+                      <a:prstDash val="solid"/>
+                      <a:round/>
+                      <a:headEnd type="none" w="sm" len="sm"/>
+                      <a:tailEnd type="none" w="sm" len="sm"/>
+                    </a:lnR>
+                    <a:lnT w="12700" cap="flat" cmpd="sng">
+                      <a:solidFill>
+                        <a:schemeClr val="dk1"/>
+                      </a:solidFill>
+                      <a:prstDash val="solid"/>
+                      <a:round/>
+                      <a:headEnd type="none" w="sm" len="sm"/>
+                      <a:tailEnd type="none" w="sm" len="sm"/>
+                    </a:lnT>
+                    <a:lnB w="12700" cap="flat" cmpd="sng">
+                      <a:solidFill>
+                        <a:schemeClr val="dk1"/>
+                      </a:solidFill>
+                      <a:prstDash val="solid"/>
+                      <a:round/>
+                      <a:headEnd type="none" w="sm" len="sm"/>
+                      <a:tailEnd type="none" w="sm" len="sm"/>
+                    </a:lnB>
+                    <a:solidFill>
+                      <a:schemeClr val="lt1"/>
+                    </a:solidFill>
+                  </a:tcPr>
+                </a:tc>
+                <a:tc>
+                  <a:txBody>
+                    <a:bodyPr/>
+                    <a:lstStyle/>
+                    <a:p>
+                      <a:pPr marL="0" marR="0" lvl="0" indent="0" algn="l" defTabSz="914400" rtl="0" eaLnBrk="1" fontAlgn="auto" latinLnBrk="1" hangingPunct="1">
+                        <a:lnSpc>
+                          <a:spcPct val="100000"/>
+                        </a:lnSpc>
+                        <a:spcBef>
+                          <a:spcPts val="0"/>
+                        </a:spcBef>
+                        <a:spcAft>
+                          <a:spcPts val="0"/>
+                        </a:spcAft>
+                        <a:buClr>
+                          <a:srgbClr val="000000"/>
+                        </a:buClr>
+                        <a:buSzPts val="1500"/>
+                        <a:buFont typeface="Arial"/>
+                        <a:buNone/>
+                        <a:tabLst/>
+                        <a:defRPr/>
+                      </a:pPr>
+                      <a:endParaRPr lang="ko-KR" altLang="en-US" sz="1500" u="none" strike="noStrike" cap="none" dirty="0" smtClean="0">
+                        <a:solidFill>
+                          <a:schemeClr val="dk1"/>
+                        </a:solidFill>
+                      </a:endParaRPr>
+                    </a:p>
+                  </a:txBody>
+                  <a:tcPr marL="91450" marR="91450" marT="45725" marB="45725">
+                    <a:lnL w="12700" cap="flat" cmpd="sng">
+                      <a:solidFill>
+                        <a:schemeClr val="dk1"/>
+                      </a:solidFill>
+                      <a:prstDash val="solid"/>
+                      <a:round/>
+                      <a:headEnd type="none" w="sm" len="sm"/>
+                      <a:tailEnd type="none" w="sm" len="sm"/>
+                    </a:lnL>
+                    <a:lnR w="12700" cap="flat" cmpd="sng">
+                      <a:solidFill>
+                        <a:schemeClr val="dk1"/>
+                      </a:solidFill>
+                      <a:prstDash val="solid"/>
+                      <a:round/>
+                      <a:headEnd type="none" w="sm" len="sm"/>
+                      <a:tailEnd type="none" w="sm" len="sm"/>
+                    </a:lnR>
+                    <a:lnT w="12700" cap="flat" cmpd="sng">
+                      <a:solidFill>
+                        <a:schemeClr val="dk1"/>
+                      </a:solidFill>
+                      <a:prstDash val="solid"/>
+                      <a:round/>
+                      <a:headEnd type="none" w="sm" len="sm"/>
+                      <a:tailEnd type="none" w="sm" len="sm"/>
+                    </a:lnT>
+                    <a:lnB w="12700" cap="flat" cmpd="sng">
+                      <a:solidFill>
+                        <a:schemeClr val="dk1"/>
+                      </a:solidFill>
+                      <a:prstDash val="solid"/>
+                      <a:round/>
+                      <a:headEnd type="none" w="sm" len="sm"/>
+                      <a:tailEnd type="none" w="sm" len="sm"/>
+                    </a:lnB>
+                    <a:solidFill>
+                      <a:schemeClr val="lt1"/>
+                    </a:solidFill>
+                  </a:tcPr>
+                </a:tc>
+                <a:extLst>
+                  <a:ext uri="{0D108BD9-81ED-4DB2-BD59-A6C34878D82A}">
+                    <a16:rowId xmlns:a16="http://schemas.microsoft.com/office/drawing/2014/main" xmlns="" val="10005"/>
+                  </a:ext>
+                </a:extLst>
+              </a:tr>
+              <a:tr h="490718">
+                <a:tc>
+                  <a:txBody>
+                    <a:bodyPr/>
+                    <a:lstStyle/>
+                    <a:p>
+                      <a:pPr marL="0" marR="0" lvl="0" indent="0" algn="ctr" rtl="0">
+                        <a:lnSpc>
+                          <a:spcPct val="100000"/>
+                        </a:lnSpc>
+                        <a:spcBef>
+                          <a:spcPts val="0"/>
+                        </a:spcBef>
+                        <a:spcAft>
+                          <a:spcPts val="0"/>
+                        </a:spcAft>
+                        <a:buNone/>
+                      </a:pPr>
+                      <a:endParaRPr sz="1500" dirty="0"/>
+                    </a:p>
+                  </a:txBody>
+                  <a:tcPr marL="91450" marR="91450" marT="45725" marB="45725" anchor="ctr">
+                    <a:lnL w="12700" cap="flat" cmpd="sng">
+                      <a:solidFill>
+                        <a:schemeClr val="dk1"/>
+                      </a:solidFill>
+                      <a:prstDash val="solid"/>
+                      <a:round/>
+                      <a:headEnd type="none" w="sm" len="sm"/>
+                      <a:tailEnd type="none" w="sm" len="sm"/>
+                    </a:lnL>
+                    <a:lnR w="12700" cap="flat" cmpd="sng">
+                      <a:solidFill>
+                        <a:schemeClr val="dk1"/>
+                      </a:solidFill>
+                      <a:prstDash val="solid"/>
+                      <a:round/>
+                      <a:headEnd type="none" w="sm" len="sm"/>
+                      <a:tailEnd type="none" w="sm" len="sm"/>
+                    </a:lnR>
+                    <a:lnT w="12700" cap="flat" cmpd="sng">
+                      <a:solidFill>
+                        <a:schemeClr val="dk1"/>
+                      </a:solidFill>
+                      <a:prstDash val="solid"/>
+                      <a:round/>
+                      <a:headEnd type="none" w="sm" len="sm"/>
+                      <a:tailEnd type="none" w="sm" len="sm"/>
+                    </a:lnT>
+                    <a:lnB w="12700" cap="flat" cmpd="sng" algn="ctr">
+                      <a:solidFill>
+                        <a:schemeClr val="dk1"/>
+                      </a:solidFill>
+                      <a:prstDash val="solid"/>
+                      <a:round/>
+                      <a:headEnd type="none" w="sm" len="sm"/>
+                      <a:tailEnd type="none" w="sm" len="sm"/>
+                    </a:lnB>
+                    <a:solidFill>
+                      <a:schemeClr val="lt1"/>
+                    </a:solidFill>
+                  </a:tcPr>
+                </a:tc>
+                <a:tc>
+                  <a:txBody>
+                    <a:bodyPr/>
+                    <a:lstStyle/>
+                    <a:p>
+                      <a:pPr marL="0" marR="0" lvl="0" indent="0" algn="l" rtl="0">
+                        <a:lnSpc>
+                          <a:spcPct val="100000"/>
+                        </a:lnSpc>
+                        <a:spcBef>
+                          <a:spcPts val="0"/>
+                        </a:spcBef>
+                        <a:spcAft>
+                          <a:spcPts val="0"/>
+                        </a:spcAft>
+                        <a:buNone/>
+                      </a:pPr>
+                      <a:endParaRPr sz="1500" dirty="0"/>
+                    </a:p>
+                  </a:txBody>
+                  <a:tcPr marL="91450" marR="91450" marT="45725" marB="45725">
+                    <a:lnL w="12700" cap="flat" cmpd="sng">
+                      <a:solidFill>
+                        <a:schemeClr val="dk1"/>
+                      </a:solidFill>
+                      <a:prstDash val="solid"/>
+                      <a:round/>
+                      <a:headEnd type="none" w="sm" len="sm"/>
+                      <a:tailEnd type="none" w="sm" len="sm"/>
+                    </a:lnL>
+                    <a:lnR w="12700" cap="flat" cmpd="sng">
+                      <a:solidFill>
+                        <a:schemeClr val="dk1"/>
+                      </a:solidFill>
+                      <a:prstDash val="solid"/>
+                      <a:round/>
+                      <a:headEnd type="none" w="sm" len="sm"/>
+                      <a:tailEnd type="none" w="sm" len="sm"/>
+                    </a:lnR>
+                    <a:lnT w="12700" cap="flat" cmpd="sng">
+                      <a:solidFill>
+                        <a:schemeClr val="dk1"/>
+                      </a:solidFill>
+                      <a:prstDash val="solid"/>
+                      <a:round/>
+                      <a:headEnd type="none" w="sm" len="sm"/>
+                      <a:tailEnd type="none" w="sm" len="sm"/>
+                    </a:lnT>
+                    <a:lnB w="12700" cap="flat" cmpd="sng" algn="ctr">
+                      <a:solidFill>
+                        <a:schemeClr val="dk1"/>
+                      </a:solidFill>
+                      <a:prstDash val="solid"/>
+                      <a:round/>
+                      <a:headEnd type="none" w="sm" len="sm"/>
+                      <a:tailEnd type="none" w="sm" len="sm"/>
+                    </a:lnB>
+                    <a:solidFill>
+                      <a:schemeClr val="lt1"/>
+                    </a:solidFill>
+                  </a:tcPr>
+                </a:tc>
+                <a:extLst>
+                  <a:ext uri="{0D108BD9-81ED-4DB2-BD59-A6C34878D82A}">
+                    <a16:rowId xmlns:a16="http://schemas.microsoft.com/office/drawing/2014/main" xmlns="" val="10006"/>
+                  </a:ext>
+                </a:extLst>
+              </a:tr>
+              <a:tr h="505838">
+                <a:tc>
+                  <a:txBody>
+                    <a:bodyPr/>
+                    <a:lstStyle/>
+                    <a:p>
+                      <a:pPr marL="0" marR="0" lvl="0" indent="0" algn="ctr" defTabSz="914400" rtl="0" eaLnBrk="1" fontAlgn="auto" latinLnBrk="1" hangingPunct="1">
+                        <a:lnSpc>
+                          <a:spcPct val="100000"/>
+                        </a:lnSpc>
+                        <a:spcBef>
+                          <a:spcPts val="0"/>
+                        </a:spcBef>
+                        <a:spcAft>
+                          <a:spcPts val="0"/>
+                        </a:spcAft>
+                        <a:buClrTx/>
+                        <a:buSzTx/>
+                        <a:buFontTx/>
+                        <a:buNone/>
+                        <a:tabLst/>
+                        <a:defRPr/>
+                      </a:pPr>
+                      <a:endParaRPr lang="en-US" altLang="ko-KR" sz="1500" dirty="0" smtClean="0"/>
+                    </a:p>
+                  </a:txBody>
+                  <a:tcPr marL="91450" marR="91450" marT="45725" marB="45725" anchor="ctr">
+                    <a:lnL w="12700" cap="flat" cmpd="sng" algn="ctr">
+                      <a:solidFill>
+                        <a:schemeClr val="dk1"/>
+                      </a:solidFill>
+                      <a:prstDash val="solid"/>
+                      <a:round/>
+                      <a:headEnd type="none" w="sm" len="sm"/>
+                      <a:tailEnd type="none" w="sm" len="sm"/>
+                    </a:lnL>
+                    <a:lnR w="12700" cap="flat" cmpd="sng" algn="ctr">
+                      <a:solidFill>
+                        <a:schemeClr val="dk1"/>
+                      </a:solidFill>
+                      <a:prstDash val="solid"/>
+                      <a:round/>
+                      <a:headEnd type="none" w="sm" len="sm"/>
+                      <a:tailEnd type="none" w="sm" len="sm"/>
+                    </a:lnR>
+                    <a:lnT w="12700" cap="flat" cmpd="sng" algn="ctr">
+                      <a:solidFill>
+                        <a:schemeClr val="dk1"/>
+                      </a:solidFill>
+                      <a:prstDash val="solid"/>
+                      <a:round/>
+                      <a:headEnd type="none" w="sm" len="sm"/>
+                      <a:tailEnd type="none" w="sm" len="sm"/>
+                    </a:lnT>
+                    <a:lnB w="12700" cap="flat" cmpd="sng">
+                      <a:solidFill>
+                        <a:schemeClr val="dk1"/>
+                      </a:solidFill>
+                      <a:prstDash val="solid"/>
+                      <a:round/>
+                      <a:headEnd type="none" w="sm" len="sm"/>
+                      <a:tailEnd type="none" w="sm" len="sm"/>
+                    </a:lnB>
+                    <a:solidFill>
+                      <a:schemeClr val="lt1"/>
+                    </a:solidFill>
+                  </a:tcPr>
+                </a:tc>
+                <a:tc>
+                  <a:txBody>
+                    <a:bodyPr/>
+                    <a:lstStyle/>
+                    <a:p>
+                      <a:pPr marL="0" marR="0" lvl="0" indent="0" algn="l" defTabSz="914400" rtl="0" eaLnBrk="1" fontAlgn="auto" latinLnBrk="1" hangingPunct="1">
+                        <a:lnSpc>
+                          <a:spcPct val="100000"/>
+                        </a:lnSpc>
+                        <a:spcBef>
+                          <a:spcPts val="0"/>
+                        </a:spcBef>
+                        <a:spcAft>
+                          <a:spcPts val="0"/>
+                        </a:spcAft>
+                        <a:buClrTx/>
+                        <a:buSzTx/>
+                        <a:buFontTx/>
+                        <a:buNone/>
+                        <a:tabLst/>
+                        <a:defRPr/>
+                      </a:pPr>
+                      <a:r>
+                        <a:rPr lang="en-US" altLang="ko-KR" sz="1500" dirty="0" err="1" smtClean="0"/>
+                        <a:t>jQuery</a:t>
+                      </a:r>
+                      <a:r>
+                        <a:rPr lang="en-US" altLang="ko-KR" sz="1500" baseline="0" dirty="0" smtClean="0"/>
+                        <a:t> – </a:t>
+                      </a:r>
+                      <a:r>
+                        <a:rPr lang="ko-KR" altLang="en-US" sz="1500" baseline="0" dirty="0" smtClean="0"/>
+                        <a:t>아코디언 </a:t>
+                      </a:r>
+                      <a:r>
+                        <a:rPr lang="ko-KR" altLang="en-US" sz="1500" baseline="0" dirty="0" err="1" smtClean="0"/>
+                        <a:t>메서드</a:t>
+                      </a:r>
+                      <a:r>
+                        <a:rPr lang="ko-KR" altLang="en-US" sz="1500" baseline="0" dirty="0" smtClean="0"/>
+                        <a:t> 사용</a:t>
+                      </a:r>
+                      <a:endParaRPr lang="en-US" altLang="ko-KR" sz="1500" baseline="0" dirty="0" smtClean="0"/>
+                    </a:p>
+                  </a:txBody>
+                  <a:tcPr marL="91450" marR="91450" marT="45725" marB="45725">
+                    <a:lnL w="12700" cap="flat" cmpd="sng" algn="ctr">
+                      <a:solidFill>
+                        <a:schemeClr val="dk1"/>
+                      </a:solidFill>
+                      <a:prstDash val="solid"/>
+                      <a:round/>
+                      <a:headEnd type="none" w="sm" len="sm"/>
+                      <a:tailEnd type="none" w="sm" len="sm"/>
+                    </a:lnL>
+                    <a:lnR w="12700" cap="flat" cmpd="sng" algn="ctr">
+                      <a:solidFill>
+                        <a:schemeClr val="dk1"/>
+                      </a:solidFill>
+                      <a:prstDash val="solid"/>
+                      <a:round/>
+                      <a:headEnd type="none" w="sm" len="sm"/>
+                      <a:tailEnd type="none" w="sm" len="sm"/>
+                    </a:lnR>
+                    <a:lnT w="12700" cap="flat" cmpd="sng" algn="ctr">
+                      <a:solidFill>
+                        <a:schemeClr val="dk1"/>
+                      </a:solidFill>
+                      <a:prstDash val="solid"/>
+                      <a:round/>
+                      <a:headEnd type="none" w="sm" len="sm"/>
+                      <a:tailEnd type="none" w="sm" len="sm"/>
+                    </a:lnT>
+                    <a:lnB w="12700" cap="flat" cmpd="sng">
+                      <a:solidFill>
+                        <a:schemeClr val="dk1"/>
+                      </a:solidFill>
+                      <a:prstDash val="solid"/>
+                      <a:round/>
+                      <a:headEnd type="none" w="sm" len="sm"/>
+                      <a:tailEnd type="none" w="sm" len="sm"/>
+                    </a:lnB>
+                    <a:solidFill>
+                      <a:schemeClr val="lt1"/>
+                    </a:solidFill>
+                  </a:tcPr>
+                </a:tc>
+                <a:extLst>
+                  <a:ext uri="{0D108BD9-81ED-4DB2-BD59-A6C34878D82A}">
+                    <a16:rowId xmlns:a16="http://schemas.microsoft.com/office/drawing/2014/main" xmlns="" val="10007"/>
+                  </a:ext>
+                </a:extLst>
+              </a:tr>
+            </a:tbl>
+          </a:graphicData>
+        </a:graphic>
+      </p:graphicFrame>
+      <p:pic>
+        <p:nvPicPr>
+          <p:cNvPr id="10" name="Picture 3"/>
+          <p:cNvPicPr>
+            <a:picLocks noChangeAspect="1" noChangeArrowheads="1"/>
+          </p:cNvPicPr>
+          <p:nvPr/>
+        </p:nvPicPr>
+        <p:blipFill>
+          <a:blip r:embed="rId2">
+            <a:extLst>
+              <a:ext uri="{28A0092B-C50C-407E-A947-70E740481C1C}">
+                <a14:useLocalDpi xmlns:a14="http://schemas.microsoft.com/office/drawing/2010/main" val="0"/>
+              </a:ext>
+            </a:extLst>
+          </a:blip>
+          <a:srcRect/>
+          <a:stretch>
+            <a:fillRect/>
+          </a:stretch>
+        </p:blipFill>
+        <p:spPr bwMode="auto">
+          <a:xfrm>
+            <a:off x="126103" y="1882570"/>
+            <a:ext cx="8128897" cy="4690182"/>
+          </a:xfrm>
+          <a:prstGeom prst="rect">
+            <a:avLst/>
+          </a:prstGeom>
+          <a:noFill/>
+          <a:ln>
+            <a:noFill/>
+          </a:ln>
+          <a:effectLst/>
+          <a:extLst>
+            <a:ext uri="{909E8E84-426E-40DD-AFC4-6F175D3DCCD1}">
+              <a14:hiddenFill xmlns:a14="http://schemas.microsoft.com/office/drawing/2010/main">
+                <a:solidFill>
+                  <a:schemeClr val="accent1"/>
+                </a:solidFill>
+              </a14:hiddenFill>
+            </a:ext>
+            <a:ext uri="{91240B29-F687-4F45-9708-019B960494DF}">
+              <a14:hiddenLine xmlns:a14="http://schemas.microsoft.com/office/drawing/2010/main" w="9525">
+                <a:solidFill>
+                  <a:schemeClr val="tx1"/>
+                </a:solidFill>
+                <a:miter lim="800000"/>
+                <a:headEnd/>
+                <a:tailEnd/>
+              </a14:hiddenLine>
+            </a:ext>
+            <a:ext uri="{AF507438-7753-43E0-B8FC-AC1667EBCBE1}">
+              <a14:hiddenEffects xmlns:a14="http://schemas.microsoft.com/office/drawing/2010/main">
+                <a:effectLst>
+                  <a:outerShdw dist="35921" dir="2700000" algn="ctr" rotWithShape="0">
+                    <a:schemeClr val="bg2"/>
+                  </a:outerShdw>
+                </a:effectLst>
+              </a14:hiddenEffects>
+            </a:ext>
+          </a:extLst>
+        </p:spPr>
+      </p:pic>
+      <p:sp>
+        <p:nvSpPr>
+          <p:cNvPr id="11" name="직사각형 10"/>
+          <p:cNvSpPr/>
+          <p:nvPr/>
+        </p:nvSpPr>
+        <p:spPr>
+          <a:xfrm>
+            <a:off x="414866" y="2257660"/>
+            <a:ext cx="7721600" cy="1422400"/>
+          </a:xfrm>
+          <a:prstGeom prst="rect">
+            <a:avLst/>
+          </a:prstGeom>
+          <a:noFill/>
+          <a:ln w="38100">
+            <a:solidFill>
+              <a:srgbClr val="FF0000"/>
+            </a:solidFill>
+          </a:ln>
+        </p:spPr>
+        <p:style>
+          <a:lnRef idx="2">
+            <a:schemeClr val="accent1">
+              <a:shade val="50000"/>
+            </a:schemeClr>
+          </a:lnRef>
+          <a:fillRef idx="1">
+            <a:schemeClr val="accent1"/>
+          </a:fillRef>
+          <a:effectRef idx="0">
+            <a:schemeClr val="accent1"/>
+          </a:effectRef>
+          <a:fontRef idx="minor">
+            <a:schemeClr val="lt1"/>
+          </a:fontRef>
+        </p:style>
+        <p:txBody>
+          <a:bodyPr rtlCol="0" anchor="ctr"/>
+          <a:lstStyle/>
+          <a:p>
+            <a:pPr algn="ctr"/>
+            <a:endParaRPr lang="ko-KR" altLang="en-US"/>
+          </a:p>
+        </p:txBody>
+      </p:sp>
+      <p:sp>
+        <p:nvSpPr>
+          <p:cNvPr id="12" name="Google Shape;173;g7c553259d1_0_81"/>
+          <p:cNvSpPr/>
+          <p:nvPr/>
+        </p:nvSpPr>
+        <p:spPr>
+          <a:xfrm>
+            <a:off x="70237" y="2806560"/>
+            <a:ext cx="302700" cy="324600"/>
+          </a:xfrm>
+          <a:prstGeom prst="rect">
+            <a:avLst/>
+          </a:prstGeom>
+          <a:solidFill>
+            <a:srgbClr val="FF0000"/>
+          </a:solidFill>
+          <a:ln>
+            <a:noFill/>
+          </a:ln>
+        </p:spPr>
+        <p:txBody>
+          <a:bodyPr spcFirstLastPara="1" wrap="square" lIns="91425" tIns="45700" rIns="91425" bIns="45700" anchor="ctr" anchorCtr="0">
+            <a:noAutofit/>
+          </a:bodyPr>
+          <a:lstStyle/>
+          <a:p>
+            <a:pPr marL="0" marR="0" lvl="0" indent="0" algn="ctr" rtl="0">
+              <a:lnSpc>
+                <a:spcPct val="100000"/>
+              </a:lnSpc>
+              <a:spcBef>
+                <a:spcPts val="0"/>
+              </a:spcBef>
+              <a:spcAft>
+                <a:spcPts val="0"/>
+              </a:spcAft>
+              <a:buClr>
+                <a:srgbClr val="000000"/>
+              </a:buClr>
+              <a:buSzPts val="1800"/>
+              <a:buFont typeface="Arial"/>
+              <a:buNone/>
+            </a:pPr>
+            <a:r>
+              <a:rPr lang="ko-KR" sz="1800" b="1" i="0" u="none" strike="noStrike" cap="none" dirty="0">
+                <a:latin typeface="Malgun Gothic"/>
+                <a:ea typeface="Malgun Gothic"/>
+                <a:cs typeface="Malgun Gothic"/>
+                <a:sym typeface="Malgun Gothic"/>
+              </a:rPr>
+              <a:t>1</a:t>
+            </a:r>
+            <a:endParaRPr sz="1800" b="1" i="0" u="none" strike="noStrike" cap="none" dirty="0">
+              <a:latin typeface="Malgun Gothic"/>
+              <a:ea typeface="Malgun Gothic"/>
+              <a:cs typeface="Malgun Gothic"/>
+              <a:sym typeface="Malgun Gothic"/>
+            </a:endParaRPr>
+          </a:p>
+        </p:txBody>
+      </p:sp>
+      <p:sp>
+        <p:nvSpPr>
+          <p:cNvPr id="13" name="직사각형 12"/>
+          <p:cNvSpPr/>
+          <p:nvPr/>
+        </p:nvSpPr>
+        <p:spPr>
+          <a:xfrm>
+            <a:off x="415272" y="3756257"/>
+            <a:ext cx="7721600" cy="2548470"/>
+          </a:xfrm>
+          <a:prstGeom prst="rect">
+            <a:avLst/>
+          </a:prstGeom>
+          <a:noFill/>
+          <a:ln w="38100">
+            <a:solidFill>
+              <a:srgbClr val="FF0000"/>
+            </a:solidFill>
+          </a:ln>
+        </p:spPr>
+        <p:style>
+          <a:lnRef idx="2">
+            <a:schemeClr val="accent1">
+              <a:shade val="50000"/>
+            </a:schemeClr>
+          </a:lnRef>
+          <a:fillRef idx="1">
+            <a:schemeClr val="accent1"/>
+          </a:fillRef>
+          <a:effectRef idx="0">
+            <a:schemeClr val="accent1"/>
+          </a:effectRef>
+          <a:fontRef idx="minor">
+            <a:schemeClr val="lt1"/>
+          </a:fontRef>
+        </p:style>
+        <p:txBody>
+          <a:bodyPr rtlCol="0" anchor="ctr"/>
+          <a:lstStyle/>
+          <a:p>
+            <a:pPr algn="ctr"/>
+            <a:endParaRPr lang="ko-KR" altLang="en-US"/>
+          </a:p>
+        </p:txBody>
+      </p:sp>
+      <p:sp>
+        <p:nvSpPr>
+          <p:cNvPr id="14" name="Google Shape;173;g7c553259d1_0_81"/>
+          <p:cNvSpPr/>
+          <p:nvPr/>
+        </p:nvSpPr>
+        <p:spPr>
+          <a:xfrm>
+            <a:off x="70237" y="4868192"/>
+            <a:ext cx="302700" cy="324600"/>
+          </a:xfrm>
+          <a:prstGeom prst="rect">
+            <a:avLst/>
+          </a:prstGeom>
+          <a:solidFill>
+            <a:srgbClr val="FF0000"/>
+          </a:solidFill>
+          <a:ln>
+            <a:noFill/>
+          </a:ln>
+        </p:spPr>
+        <p:txBody>
+          <a:bodyPr spcFirstLastPara="1" wrap="square" lIns="91425" tIns="45700" rIns="91425" bIns="45700" anchor="ctr" anchorCtr="0">
+            <a:noAutofit/>
+          </a:bodyPr>
+          <a:lstStyle/>
+          <a:p>
+            <a:pPr marL="0" marR="0" lvl="0" indent="0" algn="ctr" rtl="0">
+              <a:lnSpc>
+                <a:spcPct val="100000"/>
+              </a:lnSpc>
+              <a:spcBef>
+                <a:spcPts val="0"/>
+              </a:spcBef>
+              <a:spcAft>
+                <a:spcPts val="0"/>
+              </a:spcAft>
+              <a:buClr>
+                <a:srgbClr val="000000"/>
+              </a:buClr>
+              <a:buSzPts val="1800"/>
+              <a:buFont typeface="Arial"/>
+              <a:buNone/>
+            </a:pPr>
+            <a:r>
+              <a:rPr lang="en-US" b="1" dirty="0">
+                <a:latin typeface="Malgun Gothic"/>
+                <a:ea typeface="Malgun Gothic"/>
+                <a:cs typeface="Malgun Gothic"/>
+                <a:sym typeface="Malgun Gothic"/>
+              </a:rPr>
+              <a:t>2</a:t>
+            </a:r>
+            <a:endParaRPr sz="1800" b="1" i="0" u="none" strike="noStrike" cap="none" dirty="0">
+              <a:latin typeface="Malgun Gothic"/>
+              <a:ea typeface="Malgun Gothic"/>
+              <a:cs typeface="Malgun Gothic"/>
+              <a:sym typeface="Malgun Gothic"/>
+            </a:endParaRPr>
+          </a:p>
+        </p:txBody>
+      </p:sp>
+      <p:graphicFrame>
+        <p:nvGraphicFramePr>
+          <p:cNvPr id="16" name="표 15"/>
+          <p:cNvGraphicFramePr>
+            <a:graphicFrameLocks noGrp="1"/>
+          </p:cNvGraphicFramePr>
+          <p:nvPr>
+            <p:extLst>
+              <p:ext uri="{D42A27DB-BD31-4B8C-83A1-F6EECF244321}">
+                <p14:modId xmlns:p14="http://schemas.microsoft.com/office/powerpoint/2010/main" val="169708581"/>
+              </p:ext>
+            </p:extLst>
+          </p:nvPr>
+        </p:nvGraphicFramePr>
+        <p:xfrm>
+          <a:off x="8446864" y="1502391"/>
+          <a:ext cx="1944216" cy="640100"/>
+        </p:xfrm>
+        <a:graphic>
+          <a:graphicData uri="http://schemas.openxmlformats.org/drawingml/2006/table">
+            <a:tbl>
+              <a:tblPr firstRow="1" bandRow="1">
+                <a:noFill/>
+              </a:tblPr>
+              <a:tblGrid>
+                <a:gridCol w="1944216"/>
+              </a:tblGrid>
+              <a:tr h="168164">
+                <a:tc>
+                  <a:txBody>
+                    <a:bodyPr/>
+                    <a:lstStyle/>
+                    <a:p>
+                      <a:pPr marL="0" marR="0" lvl="0" indent="0" algn="ctr" rtl="0">
+                        <a:lnSpc>
+                          <a:spcPct val="100000"/>
+                        </a:lnSpc>
+                        <a:spcBef>
+                          <a:spcPts val="0"/>
+                        </a:spcBef>
+                        <a:spcAft>
+                          <a:spcPts val="0"/>
+                        </a:spcAft>
+                        <a:buClr>
+                          <a:srgbClr val="000000"/>
+                        </a:buClr>
+                        <a:buSzPts val="1500"/>
+                        <a:buFont typeface="Arial"/>
+                        <a:buNone/>
+                      </a:pPr>
+                      <a:r>
+                        <a:rPr lang="ko-KR" altLang="en-US" sz="1500" b="0" u="none" strike="noStrike" cap="none" dirty="0" smtClean="0">
+                          <a:solidFill>
+                            <a:schemeClr val="dk1"/>
+                          </a:solidFill>
+                        </a:rPr>
+                        <a:t>화면코드</a:t>
+                      </a:r>
+                      <a:endParaRPr sz="1500" b="0" u="none" strike="noStrike" cap="none" dirty="0">
+                        <a:solidFill>
+                          <a:schemeClr val="dk1"/>
+                        </a:solidFill>
+                      </a:endParaRPr>
+                    </a:p>
+                  </a:txBody>
+                  <a:tcPr marL="74304" marR="74304" marT="45725" marB="45725" anchor="ctr">
+                    <a:lnL w="12700" cap="flat" cmpd="sng">
+                      <a:solidFill>
+                        <a:schemeClr val="dk1"/>
+                      </a:solidFill>
+                      <a:prstDash val="solid"/>
+                      <a:round/>
+                      <a:headEnd type="none" w="sm" len="sm"/>
+                      <a:tailEnd type="none" w="sm" len="sm"/>
+                    </a:lnL>
+                    <a:lnR w="12700" cap="flat" cmpd="sng">
+                      <a:solidFill>
+                        <a:schemeClr val="dk1"/>
+                      </a:solidFill>
+                      <a:prstDash val="solid"/>
+                      <a:round/>
+                      <a:headEnd type="none" w="sm" len="sm"/>
+                      <a:tailEnd type="none" w="sm" len="sm"/>
+                    </a:lnR>
+                    <a:lnT w="12700" cap="flat" cmpd="sng">
+                      <a:solidFill>
+                        <a:schemeClr val="dk1"/>
+                      </a:solidFill>
+                      <a:prstDash val="solid"/>
+                      <a:round/>
+                      <a:headEnd type="none" w="sm" len="sm"/>
+                      <a:tailEnd type="none" w="sm" len="sm"/>
+                    </a:lnT>
+                    <a:lnB w="12700" cap="flat" cmpd="sng" algn="ctr">
+                      <a:solidFill>
+                        <a:schemeClr val="dk1"/>
+                      </a:solidFill>
+                      <a:prstDash val="solid"/>
+                      <a:round/>
+                      <a:headEnd type="none" w="sm" len="sm"/>
+                      <a:tailEnd type="none" w="sm" len="sm"/>
+                    </a:lnB>
+                    <a:solidFill>
+                      <a:srgbClr val="D8D8D8"/>
+                    </a:solidFill>
+                  </a:tcPr>
+                </a:tc>
+              </a:tr>
+              <a:tr h="168164">
+                <a:tc>
+                  <a:txBody>
+                    <a:bodyPr/>
+                    <a:lstStyle/>
+                    <a:p>
+                      <a:pPr marL="0" marR="0" lvl="0" indent="0" algn="ctr" defTabSz="914400" rtl="0" eaLnBrk="1" fontAlgn="auto" latinLnBrk="1" hangingPunct="1">
+                        <a:lnSpc>
+                          <a:spcPct val="100000"/>
+                        </a:lnSpc>
+                        <a:spcBef>
+                          <a:spcPts val="0"/>
+                        </a:spcBef>
+                        <a:spcAft>
+                          <a:spcPts val="0"/>
+                        </a:spcAft>
+                        <a:buClr>
+                          <a:srgbClr val="000000"/>
+                        </a:buClr>
+                        <a:buSzPts val="1500"/>
+                        <a:buFont typeface="Arial"/>
+                        <a:buNone/>
+                        <a:tabLst/>
+                        <a:defRPr/>
+                      </a:pPr>
+                      <a:r>
+                        <a:rPr lang="en-US" altLang="ko-KR" sz="1500" b="0" u="none" strike="noStrike" cap="none" dirty="0" err="1" smtClean="0">
+                          <a:solidFill>
+                            <a:schemeClr val="dk1"/>
+                          </a:solidFill>
+                        </a:rPr>
+                        <a:t>ht_user_w_notice</a:t>
+                      </a:r>
+                      <a:endParaRPr lang="en-US" altLang="ko-KR" sz="1500" b="0" u="none" strike="noStrike" cap="none" dirty="0" smtClean="0">
+                        <a:solidFill>
+                          <a:schemeClr val="dk1"/>
+                        </a:solidFill>
+                      </a:endParaRPr>
+                    </a:p>
+                  </a:txBody>
+                  <a:tcPr marL="74304" marR="74304" marT="45725" marB="45725" anchor="ctr">
+                    <a:lnL w="12700" cap="flat" cmpd="sng" algn="ctr">
+                      <a:solidFill>
+                        <a:schemeClr val="dk1"/>
+                      </a:solidFill>
+                      <a:prstDash val="solid"/>
+                      <a:round/>
+                      <a:headEnd type="none" w="sm" len="sm"/>
+                      <a:tailEnd type="none" w="sm" len="sm"/>
+                    </a:lnL>
+                    <a:lnR w="12700" cap="flat" cmpd="sng" algn="ctr">
+                      <a:solidFill>
+                        <a:schemeClr val="dk1"/>
+                      </a:solidFill>
+                      <a:prstDash val="solid"/>
+                      <a:round/>
+                      <a:headEnd type="none" w="sm" len="sm"/>
+                      <a:tailEnd type="none" w="sm" len="sm"/>
+                    </a:lnR>
+                    <a:lnT w="12700" cap="flat" cmpd="sng" algn="ctr">
+                      <a:solidFill>
+                        <a:schemeClr val="dk1"/>
+                      </a:solidFill>
+                      <a:prstDash val="solid"/>
+                      <a:round/>
+                      <a:headEnd type="none" w="sm" len="sm"/>
+                      <a:tailEnd type="none" w="sm" len="sm"/>
+                    </a:lnT>
+                    <a:lnB w="12700" cap="flat" cmpd="sng">
+                      <a:solidFill>
+                        <a:schemeClr val="dk1"/>
+                      </a:solidFill>
+                      <a:prstDash val="solid"/>
+                      <a:round/>
+                      <a:headEnd type="none" w="sm" len="sm"/>
+                      <a:tailEnd type="none" w="sm" len="sm"/>
+                    </a:lnB>
+                    <a:solidFill>
+                      <a:schemeClr val="bg1"/>
+                    </a:solidFill>
+                  </a:tcPr>
+                </a:tc>
+              </a:tr>
+            </a:tbl>
+          </a:graphicData>
+        </a:graphic>
+      </p:graphicFrame>
+    </p:spTree>
+    <p:extLst>
+      <p:ext uri="{BB962C8B-B14F-4D97-AF65-F5344CB8AC3E}">
+        <p14:creationId xmlns:p14="http://schemas.microsoft.com/office/powerpoint/2010/main" val="1732987120"/>
+      </p:ext>
+    </p:extLst>
+  </p:cSld>
+  <p:clrMapOvr>
+    <a:masterClrMapping/>
+  </p:clrMapOvr>
+  <p:timing>
+    <p:tnLst>
+      <p:par>
+        <p:cTn id="1" dur="indefinite" restart="never" nodeType="tmRoot"/>
+      </p:par>
+    </p:tnLst>
+  </p:timing>
+</p:sld>
+</file>
+
+<file path=ppt/slides/slide3.xml><?xml version="1.0" encoding="utf-8"?>
+<p:sld xmlns:a="http://schemas.openxmlformats.org/drawingml/2006/main" xmlns:r="http://schemas.openxmlformats.org/officeDocument/2006/relationships" xmlns:p="http://schemas.openxmlformats.org/presentationml/2006/main">
+  <p:cSld>
+    <p:spTree>
+      <p:nvGrpSpPr>
+        <p:cNvPr id="1" name=""/>
+        <p:cNvGrpSpPr/>
+        <p:nvPr/>
+      </p:nvGrpSpPr>
+      <p:grpSpPr>
+        <a:xfrm>
+          <a:off x="0" y="0"/>
+          <a:ext cx="0" cy="0"/>
+          <a:chOff x="0" y="0"/>
+          <a:chExt cx="0" cy="0"/>
+        </a:xfrm>
+      </p:grpSpPr>
+      <p:sp>
+        <p:nvSpPr>
+          <p:cNvPr id="5" name="제목 1"/>
+          <p:cNvSpPr>
+            <a:spLocks noGrp="1"/>
+          </p:cNvSpPr>
+          <p:nvPr>
+            <p:ph type="title"/>
+          </p:nvPr>
+        </p:nvSpPr>
+        <p:spPr>
+          <a:xfrm>
+            <a:off x="1925506" y="116634"/>
+            <a:ext cx="7837090" cy="796925"/>
+          </a:xfrm>
+        </p:spPr>
+        <p:txBody>
+          <a:bodyPr/>
+          <a:lstStyle/>
+          <a:p>
+            <a:r>
+              <a:rPr lang="en-US" altLang="ko-KR" dirty="0" smtClean="0"/>
+              <a:t>[</a:t>
+            </a:r>
+            <a:r>
+              <a:rPr lang="ko-KR" altLang="en-US" dirty="0" smtClean="0"/>
+              <a:t>화면 구현</a:t>
+            </a:r>
+            <a:r>
+              <a:rPr lang="en-US" altLang="ko-KR" dirty="0" smtClean="0"/>
+              <a:t>] </a:t>
+            </a:r>
+            <a:r>
+              <a:rPr lang="ko-KR" altLang="en-US" dirty="0" smtClean="0"/>
+              <a:t>사용자 </a:t>
+            </a:r>
+            <a:r>
+              <a:rPr lang="en-US" altLang="ko-KR" dirty="0" smtClean="0"/>
+              <a:t>- </a:t>
+            </a:r>
+            <a:r>
+              <a:rPr lang="ko-KR" altLang="en-US" dirty="0" smtClean="0"/>
+              <a:t>웹 </a:t>
+            </a:r>
+            <a:r>
+              <a:rPr lang="en-US" altLang="ko-KR" dirty="0" smtClean="0"/>
+              <a:t>- </a:t>
+            </a:r>
+            <a:r>
+              <a:rPr lang="ko-KR" altLang="en-US" dirty="0" smtClean="0"/>
+              <a:t>게시판 </a:t>
+            </a:r>
+            <a:r>
+              <a:rPr lang="en-US" altLang="ko-KR" dirty="0" smtClean="0"/>
+              <a:t>- </a:t>
+            </a:r>
+            <a:r>
+              <a:rPr lang="ko-KR" altLang="en-US" dirty="0" smtClean="0"/>
+              <a:t>공지사항</a:t>
+            </a:r>
+            <a:endParaRPr lang="ko-KR" altLang="en-US" dirty="0"/>
+          </a:p>
+        </p:txBody>
+      </p:sp>
+      <p:graphicFrame>
+        <p:nvGraphicFramePr>
+          <p:cNvPr id="16" name="표 15"/>
+          <p:cNvGraphicFramePr>
+            <a:graphicFrameLocks noGrp="1"/>
+          </p:cNvGraphicFramePr>
+          <p:nvPr>
+            <p:extLst>
+              <p:ext uri="{D42A27DB-BD31-4B8C-83A1-F6EECF244321}">
+                <p14:modId xmlns:p14="http://schemas.microsoft.com/office/powerpoint/2010/main" val="234099741"/>
+              </p:ext>
+            </p:extLst>
+          </p:nvPr>
+        </p:nvGraphicFramePr>
+        <p:xfrm>
+          <a:off x="8446864" y="1502391"/>
+          <a:ext cx="1944216" cy="640100"/>
+        </p:xfrm>
+        <a:graphic>
+          <a:graphicData uri="http://schemas.openxmlformats.org/drawingml/2006/table">
+            <a:tbl>
+              <a:tblPr firstRow="1" bandRow="1">
+                <a:noFill/>
+              </a:tblPr>
+              <a:tblGrid>
+                <a:gridCol w="1944216"/>
+              </a:tblGrid>
+              <a:tr h="168164">
+                <a:tc>
+                  <a:txBody>
+                    <a:bodyPr/>
+                    <a:lstStyle/>
+                    <a:p>
+                      <a:pPr marL="0" marR="0" lvl="0" indent="0" algn="ctr" rtl="0">
+                        <a:lnSpc>
+                          <a:spcPct val="100000"/>
+                        </a:lnSpc>
+                        <a:spcBef>
+                          <a:spcPts val="0"/>
+                        </a:spcBef>
+                        <a:spcAft>
+                          <a:spcPts val="0"/>
+                        </a:spcAft>
+                        <a:buClr>
+                          <a:srgbClr val="000000"/>
+                        </a:buClr>
+                        <a:buSzPts val="1500"/>
+                        <a:buFont typeface="Arial"/>
+                        <a:buNone/>
+                      </a:pPr>
+                      <a:r>
+                        <a:rPr lang="ko-KR" altLang="en-US" sz="1500" b="0" u="none" strike="noStrike" cap="none" dirty="0" smtClean="0">
+                          <a:solidFill>
+                            <a:schemeClr val="dk1"/>
+                          </a:solidFill>
+                        </a:rPr>
+                        <a:t>화면코드</a:t>
+                      </a:r>
+                      <a:endParaRPr sz="1500" b="0" u="none" strike="noStrike" cap="none" dirty="0">
+                        <a:solidFill>
+                          <a:schemeClr val="dk1"/>
+                        </a:solidFill>
+                      </a:endParaRPr>
+                    </a:p>
+                  </a:txBody>
+                  <a:tcPr marL="74304" marR="74304" marT="45725" marB="45725" anchor="ctr">
+                    <a:lnL w="12700" cap="flat" cmpd="sng">
+                      <a:solidFill>
+                        <a:schemeClr val="dk1"/>
+                      </a:solidFill>
+                      <a:prstDash val="solid"/>
+                      <a:round/>
+                      <a:headEnd type="none" w="sm" len="sm"/>
+                      <a:tailEnd type="none" w="sm" len="sm"/>
+                    </a:lnL>
+                    <a:lnR w="12700" cap="flat" cmpd="sng">
+                      <a:solidFill>
+                        <a:schemeClr val="dk1"/>
+                      </a:solidFill>
+                      <a:prstDash val="solid"/>
+                      <a:round/>
+                      <a:headEnd type="none" w="sm" len="sm"/>
+                      <a:tailEnd type="none" w="sm" len="sm"/>
+                    </a:lnR>
+                    <a:lnT w="12700" cap="flat" cmpd="sng">
+                      <a:solidFill>
+                        <a:schemeClr val="dk1"/>
+                      </a:solidFill>
+                      <a:prstDash val="solid"/>
+                      <a:round/>
+                      <a:headEnd type="none" w="sm" len="sm"/>
+                      <a:tailEnd type="none" w="sm" len="sm"/>
+                    </a:lnT>
+                    <a:lnB w="12700" cap="flat" cmpd="sng" algn="ctr">
+                      <a:solidFill>
+                        <a:schemeClr val="dk1"/>
+                      </a:solidFill>
+                      <a:prstDash val="solid"/>
+                      <a:round/>
+                      <a:headEnd type="none" w="sm" len="sm"/>
+                      <a:tailEnd type="none" w="sm" len="sm"/>
+                    </a:lnB>
+                    <a:solidFill>
+                      <a:srgbClr val="D8D8D8"/>
+                    </a:solidFill>
+                  </a:tcPr>
+                </a:tc>
+              </a:tr>
+              <a:tr h="168164">
+                <a:tc>
+                  <a:txBody>
+                    <a:bodyPr/>
+                    <a:lstStyle/>
+                    <a:p>
+                      <a:pPr marL="0" marR="0" lvl="0" indent="0" algn="ctr" defTabSz="914400" rtl="0" eaLnBrk="1" fontAlgn="auto" latinLnBrk="1" hangingPunct="1">
+                        <a:lnSpc>
+                          <a:spcPct val="100000"/>
+                        </a:lnSpc>
+                        <a:spcBef>
+                          <a:spcPts val="0"/>
+                        </a:spcBef>
+                        <a:spcAft>
+                          <a:spcPts val="0"/>
+                        </a:spcAft>
+                        <a:buClr>
+                          <a:srgbClr val="000000"/>
+                        </a:buClr>
+                        <a:buSzPts val="1500"/>
+                        <a:buFont typeface="Arial"/>
+                        <a:buNone/>
+                        <a:tabLst/>
+                        <a:defRPr/>
+                      </a:pPr>
+                      <a:r>
+                        <a:rPr lang="en-US" altLang="ko-KR" sz="1500" b="0" u="none" strike="noStrike" cap="none" dirty="0" err="1" smtClean="0">
+                          <a:solidFill>
+                            <a:schemeClr val="dk1"/>
+                          </a:solidFill>
+                        </a:rPr>
+                        <a:t>ht_user_w_notice</a:t>
+                      </a:r>
+                      <a:endParaRPr lang="en-US" altLang="ko-KR" sz="1500" b="0" u="none" strike="noStrike" cap="none" dirty="0" smtClean="0">
+                        <a:solidFill>
+                          <a:schemeClr val="dk1"/>
+                        </a:solidFill>
+                      </a:endParaRPr>
+                    </a:p>
+                  </a:txBody>
+                  <a:tcPr marL="74304" marR="74304" marT="45725" marB="45725" anchor="ctr">
+                    <a:lnL w="12700" cap="flat" cmpd="sng" algn="ctr">
+                      <a:solidFill>
+                        <a:schemeClr val="dk1"/>
+                      </a:solidFill>
+                      <a:prstDash val="solid"/>
+                      <a:round/>
+                      <a:headEnd type="none" w="sm" len="sm"/>
+                      <a:tailEnd type="none" w="sm" len="sm"/>
+                    </a:lnL>
+                    <a:lnR w="12700" cap="flat" cmpd="sng" algn="ctr">
+                      <a:solidFill>
+                        <a:schemeClr val="dk1"/>
+                      </a:solidFill>
+                      <a:prstDash val="solid"/>
+                      <a:round/>
+                      <a:headEnd type="none" w="sm" len="sm"/>
+                      <a:tailEnd type="none" w="sm" len="sm"/>
+                    </a:lnR>
+                    <a:lnT w="12700" cap="flat" cmpd="sng" algn="ctr">
+                      <a:solidFill>
+                        <a:schemeClr val="dk1"/>
+                      </a:solidFill>
+                      <a:prstDash val="solid"/>
+                      <a:round/>
+                      <a:headEnd type="none" w="sm" len="sm"/>
+                      <a:tailEnd type="none" w="sm" len="sm"/>
+                    </a:lnT>
+                    <a:lnB w="12700" cap="flat" cmpd="sng">
+                      <a:solidFill>
+                        <a:schemeClr val="dk1"/>
+                      </a:solidFill>
+                      <a:prstDash val="solid"/>
+                      <a:round/>
+                      <a:headEnd type="none" w="sm" len="sm"/>
+                      <a:tailEnd type="none" w="sm" len="sm"/>
+                    </a:lnB>
+                    <a:solidFill>
+                      <a:schemeClr val="bg1"/>
+                    </a:solidFill>
+                  </a:tcPr>
+                </a:tc>
+              </a:tr>
+            </a:tbl>
+          </a:graphicData>
+        </a:graphic>
+      </p:graphicFrame>
+      <p:pic>
+        <p:nvPicPr>
+          <p:cNvPr id="1026" name="Picture 2"/>
+          <p:cNvPicPr>
+            <a:picLocks noChangeAspect="1" noChangeArrowheads="1"/>
+          </p:cNvPicPr>
+          <p:nvPr/>
+        </p:nvPicPr>
+        <p:blipFill>
+          <a:blip r:embed="rId2">
+            <a:extLst>
+              <a:ext uri="{28A0092B-C50C-407E-A947-70E740481C1C}">
+                <a14:useLocalDpi xmlns:a14="http://schemas.microsoft.com/office/drawing/2010/main" val="0"/>
+              </a:ext>
+            </a:extLst>
+          </a:blip>
+          <a:srcRect/>
+          <a:stretch>
+            <a:fillRect/>
+          </a:stretch>
+        </p:blipFill>
+        <p:spPr bwMode="auto">
+          <a:xfrm>
+            <a:off x="208859" y="1093509"/>
+            <a:ext cx="7655359" cy="5524107"/>
+          </a:xfrm>
+          <a:prstGeom prst="rect">
+            <a:avLst/>
+          </a:prstGeom>
+          <a:noFill/>
+          <a:ln>
+            <a:noFill/>
+          </a:ln>
+          <a:effectLst/>
+          <a:extLst>
+            <a:ext uri="{909E8E84-426E-40DD-AFC4-6F175D3DCCD1}">
+              <a14:hiddenFill xmlns:a14="http://schemas.microsoft.com/office/drawing/2010/main">
+                <a:solidFill>
+                  <a:schemeClr val="accent1"/>
+                </a:solidFill>
+              </a14:hiddenFill>
+            </a:ext>
+            <a:ext uri="{91240B29-F687-4F45-9708-019B960494DF}">
+              <a14:hiddenLine xmlns:a14="http://schemas.microsoft.com/office/drawing/2010/main" w="9525">
+                <a:solidFill>
+                  <a:schemeClr val="tx1"/>
+                </a:solidFill>
+                <a:miter lim="800000"/>
+                <a:headEnd/>
+                <a:tailEnd/>
+              </a14:hiddenLine>
+            </a:ext>
+            <a:ext uri="{AF507438-7753-43E0-B8FC-AC1667EBCBE1}">
+              <a14:hiddenEffects xmlns:a14="http://schemas.microsoft.com/office/drawing/2010/main">
+                <a:effectLst>
+                  <a:outerShdw dist="35921" dir="2700000" algn="ctr" rotWithShape="0">
+                    <a:schemeClr val="bg2"/>
+                  </a:outerShdw>
+                </a:effectLst>
+              </a14:hiddenEffects>
+            </a:ext>
+          </a:extLst>
+        </p:spPr>
+      </p:pic>
+      <p:pic>
+        <p:nvPicPr>
+          <p:cNvPr id="1027" name="Picture 3"/>
+          <p:cNvPicPr>
+            <a:picLocks noChangeAspect="1" noChangeArrowheads="1"/>
+          </p:cNvPicPr>
+          <p:nvPr/>
+        </p:nvPicPr>
+        <p:blipFill>
+          <a:blip r:embed="rId3">
+            <a:extLst>
+              <a:ext uri="{28A0092B-C50C-407E-A947-70E740481C1C}">
+                <a14:useLocalDpi xmlns:a14="http://schemas.microsoft.com/office/drawing/2010/main" val="0"/>
+              </a:ext>
+            </a:extLst>
+          </a:blip>
+          <a:srcRect/>
+          <a:stretch>
+            <a:fillRect/>
+          </a:stretch>
+        </p:blipFill>
+        <p:spPr bwMode="auto">
+          <a:xfrm>
+            <a:off x="3711714" y="1122718"/>
+            <a:ext cx="4114800" cy="733425"/>
+          </a:xfrm>
+          <a:prstGeom prst="rect">
+            <a:avLst/>
+          </a:prstGeom>
+          <a:noFill/>
+          <a:ln w="38100">
+            <a:solidFill>
+              <a:srgbClr val="FF0000"/>
+            </a:solidFill>
+            <a:miter lim="800000"/>
+            <a:headEnd/>
+            <a:tailEnd/>
+          </a:ln>
+          <a:effectLst/>
+          <a:extLst>
+            <a:ext uri="{909E8E84-426E-40DD-AFC4-6F175D3DCCD1}">
+              <a14:hiddenFill xmlns:a14="http://schemas.microsoft.com/office/drawing/2010/main">
+                <a:solidFill>
+                  <a:schemeClr val="accent1"/>
+                </a:solidFill>
+              </a14:hiddenFill>
+            </a:ext>
+            <a:ext uri="{AF507438-7753-43E0-B8FC-AC1667EBCBE1}">
+              <a14:hiddenEffects xmlns:a14="http://schemas.microsoft.com/office/drawing/2010/main">
+                <a:effectLst>
+                  <a:outerShdw dist="35921" dir="2700000" algn="ctr" rotWithShape="0">
+                    <a:schemeClr val="bg2"/>
+                  </a:outerShdw>
+                </a:effectLst>
+              </a14:hiddenEffects>
+            </a:ext>
+          </a:extLst>
+        </p:spPr>
+      </p:pic>
+      <p:cxnSp>
+        <p:nvCxnSpPr>
+          <p:cNvPr id="3" name="직선 화살표 연결선 2"/>
+          <p:cNvCxnSpPr>
+            <a:stCxn id="1027" idx="2"/>
+            <a:endCxn id="18" idx="0"/>
+          </p:cNvCxnSpPr>
+          <p:nvPr/>
+        </p:nvCxnSpPr>
+        <p:spPr>
+          <a:xfrm flipH="1">
+            <a:off x="4115813" y="1856143"/>
+            <a:ext cx="1653301" cy="1546933"/>
+          </a:xfrm>
+          <a:prstGeom prst="straightConnector1">
+            <a:avLst/>
+          </a:prstGeom>
+          <a:ln w="28575">
+            <a:solidFill>
+              <a:srgbClr val="FF0000"/>
+            </a:solidFill>
+            <a:tailEnd type="arrow"/>
+          </a:ln>
+        </p:spPr>
+        <p:style>
+          <a:lnRef idx="1">
+            <a:schemeClr val="accent1"/>
+          </a:lnRef>
+          <a:fillRef idx="0">
+            <a:schemeClr val="accent1"/>
+          </a:fillRef>
+          <a:effectRef idx="0">
+            <a:schemeClr val="accent1"/>
+          </a:effectRef>
+          <a:fontRef idx="minor">
+            <a:schemeClr val="tx1"/>
+          </a:fontRef>
+        </p:style>
+      </p:cxnSp>
+      <p:sp>
+        <p:nvSpPr>
+          <p:cNvPr id="18" name="직사각형 17"/>
+          <p:cNvSpPr/>
+          <p:nvPr/>
+        </p:nvSpPr>
+        <p:spPr>
+          <a:xfrm>
+            <a:off x="255013" y="3403076"/>
+            <a:ext cx="7721600" cy="3374796"/>
+          </a:xfrm>
+          <a:prstGeom prst="rect">
+            <a:avLst/>
+          </a:prstGeom>
+          <a:noFill/>
+          <a:ln w="38100">
+            <a:solidFill>
+              <a:srgbClr val="FF0000"/>
+            </a:solidFill>
+          </a:ln>
+        </p:spPr>
+        <p:style>
+          <a:lnRef idx="2">
+            <a:schemeClr val="accent1">
+              <a:shade val="50000"/>
+            </a:schemeClr>
+          </a:lnRef>
+          <a:fillRef idx="1">
+            <a:schemeClr val="accent1"/>
+          </a:fillRef>
+          <a:effectRef idx="0">
+            <a:schemeClr val="accent1"/>
+          </a:effectRef>
+          <a:fontRef idx="minor">
+            <a:schemeClr val="lt1"/>
+          </a:fontRef>
+        </p:style>
+        <p:txBody>
+          <a:bodyPr rtlCol="0" anchor="ctr"/>
+          <a:lstStyle/>
+          <a:p>
+            <a:pPr algn="ctr"/>
+            <a:endParaRPr lang="ko-KR" altLang="en-US"/>
+          </a:p>
+        </p:txBody>
+      </p:sp>
+      <p:pic>
+        <p:nvPicPr>
+          <p:cNvPr id="1028" name="Picture 4"/>
+          <p:cNvPicPr>
+            <a:picLocks noChangeAspect="1" noChangeArrowheads="1"/>
+          </p:cNvPicPr>
+          <p:nvPr/>
+        </p:nvPicPr>
+        <p:blipFill>
+          <a:blip r:embed="rId4">
+            <a:extLst>
+              <a:ext uri="{28A0092B-C50C-407E-A947-70E740481C1C}">
+                <a14:useLocalDpi xmlns:a14="http://schemas.microsoft.com/office/drawing/2010/main" val="0"/>
+              </a:ext>
+            </a:extLst>
+          </a:blip>
+          <a:srcRect/>
+          <a:stretch>
+            <a:fillRect/>
+          </a:stretch>
+        </p:blipFill>
+        <p:spPr bwMode="auto">
+          <a:xfrm>
+            <a:off x="8242123" y="2827103"/>
+            <a:ext cx="3799048" cy="3394587"/>
+          </a:xfrm>
+          <a:prstGeom prst="rect">
+            <a:avLst/>
+          </a:prstGeom>
+          <a:noFill/>
+          <a:ln w="38100">
+            <a:solidFill>
+              <a:schemeClr val="accent6">
+                <a:lumMod val="75000"/>
+              </a:schemeClr>
+            </a:solidFill>
+            <a:miter lim="800000"/>
+            <a:headEnd/>
+            <a:tailEnd/>
+          </a:ln>
+          <a:effectLst/>
+          <a:extLst>
+            <a:ext uri="{909E8E84-426E-40DD-AFC4-6F175D3DCCD1}">
+              <a14:hiddenFill xmlns:a14="http://schemas.microsoft.com/office/drawing/2010/main">
+                <a:solidFill>
+                  <a:schemeClr val="accent1"/>
+                </a:solidFill>
+              </a14:hiddenFill>
+            </a:ext>
+            <a:ext uri="{AF507438-7753-43E0-B8FC-AC1667EBCBE1}">
+              <a14:hiddenEffects xmlns:a14="http://schemas.microsoft.com/office/drawing/2010/main">
+                <a:effectLst>
+                  <a:outerShdw dist="35921" dir="2700000" algn="ctr" rotWithShape="0">
+                    <a:schemeClr val="bg2"/>
+                  </a:outerShdw>
+                </a:effectLst>
+              </a14:hiddenEffects>
+            </a:ext>
+          </a:extLst>
+        </p:spPr>
+      </p:pic>
+    </p:spTree>
+    <p:extLst>
+      <p:ext uri="{BB962C8B-B14F-4D97-AF65-F5344CB8AC3E}">
+        <p14:creationId xmlns:p14="http://schemas.microsoft.com/office/powerpoint/2010/main" val="2711856235"/>
+      </p:ext>
+    </p:extLst>
+  </p:cSld>
+  <p:clrMapOvr>
+    <a:masterClrMapping/>
+  </p:clrMapOvr>
+  <p:timing>
+    <p:tnLst>
+      <p:par>
+        <p:cTn id="1" dur="indefinite" restart="never" nodeType="tmRoot"/>
+      </p:par>
+    </p:tnLst>
+  </p:timing>
+</p:sld>
+</file>
+
+<file path=ppt/slides/slide4.xml><?xml version="1.0" encoding="utf-8"?>
+<p:sld xmlns:a="http://schemas.openxmlformats.org/drawingml/2006/main" xmlns:r="http://schemas.openxmlformats.org/officeDocument/2006/relationships" xmlns:p="http://schemas.openxmlformats.org/presentationml/2006/main">
+  <p:cSld>
+    <p:spTree>
+      <p:nvGrpSpPr>
+        <p:cNvPr id="1" name=""/>
+        <p:cNvGrpSpPr/>
+        <p:nvPr/>
+      </p:nvGrpSpPr>
+      <p:grpSpPr>
+        <a:xfrm>
+          <a:off x="0" y="0"/>
+          <a:ext cx="0" cy="0"/>
+          <a:chOff x="0" y="0"/>
+          <a:chExt cx="0" cy="0"/>
+        </a:xfrm>
+      </p:grpSpPr>
+      <p:sp>
+        <p:nvSpPr>
+          <p:cNvPr id="5" name="제목 1"/>
+          <p:cNvSpPr>
+            <a:spLocks noGrp="1"/>
+          </p:cNvSpPr>
+          <p:nvPr>
+            <p:ph type="title"/>
+          </p:nvPr>
+        </p:nvSpPr>
+        <p:spPr>
+          <a:xfrm>
+            <a:off x="1925506" y="116634"/>
+            <a:ext cx="7837090" cy="796925"/>
+          </a:xfrm>
+        </p:spPr>
+        <p:txBody>
+          <a:bodyPr/>
+          <a:lstStyle/>
+          <a:p>
+            <a:r>
+              <a:rPr lang="en-US" altLang="ko-KR" dirty="0"/>
+              <a:t>[</a:t>
+            </a:r>
+            <a:r>
+              <a:rPr lang="ko-KR" altLang="en-US" dirty="0"/>
+              <a:t>화면 설계</a:t>
+            </a:r>
+            <a:r>
+              <a:rPr lang="en-US" altLang="ko-KR" dirty="0"/>
+              <a:t>] </a:t>
+            </a:r>
+            <a:r>
+              <a:rPr lang="ko-KR" altLang="en-US" dirty="0"/>
+              <a:t>사용자 </a:t>
+            </a:r>
+            <a:r>
+              <a:rPr lang="en-US" altLang="ko-KR" dirty="0"/>
+              <a:t>- </a:t>
+            </a:r>
+            <a:r>
+              <a:rPr lang="ko-KR" altLang="en-US" dirty="0"/>
+              <a:t>웹 </a:t>
+            </a:r>
+            <a:r>
+              <a:rPr lang="en-US" altLang="ko-KR" dirty="0" smtClean="0"/>
+              <a:t>- </a:t>
+            </a:r>
+            <a:r>
+              <a:rPr lang="ko-KR" altLang="en-US" dirty="0" smtClean="0"/>
+              <a:t>게시판 </a:t>
+            </a:r>
+            <a:r>
+              <a:rPr lang="en-US" altLang="ko-KR" dirty="0" smtClean="0"/>
+              <a:t>- </a:t>
+            </a:r>
+            <a:r>
+              <a:rPr lang="ko-KR" altLang="en-US" dirty="0" smtClean="0"/>
+              <a:t>공지사항</a:t>
+            </a:r>
+            <a:endParaRPr lang="ko-KR" altLang="en-US" dirty="0"/>
+          </a:p>
+        </p:txBody>
+      </p:sp>
+      <p:grpSp>
+        <p:nvGrpSpPr>
+          <p:cNvPr id="4" name="그룹 3"/>
+          <p:cNvGrpSpPr/>
+          <p:nvPr/>
+        </p:nvGrpSpPr>
+        <p:grpSpPr>
+          <a:xfrm>
+            <a:off x="10516241" y="5877272"/>
+            <a:ext cx="193918" cy="537004"/>
+            <a:chOff x="4815008" y="1484784"/>
+            <a:chExt cx="216024" cy="648072"/>
+          </a:xfrm>
+        </p:grpSpPr>
+        <p:sp>
+          <p:nvSpPr>
+            <p:cNvPr id="6" name="직사각형 5"/>
+            <p:cNvSpPr/>
+            <p:nvPr/>
+          </p:nvSpPr>
+          <p:spPr>
+            <a:xfrm>
+              <a:off x="4815008" y="1484784"/>
+              <a:ext cx="216024" cy="216024"/>
+            </a:xfrm>
+            <a:prstGeom prst="rect">
+              <a:avLst/>
+            </a:prstGeom>
+            <a:solidFill>
+              <a:srgbClr val="48C0DC"/>
+            </a:solidFill>
+            <a:ln>
+              <a:noFill/>
+            </a:ln>
+          </p:spPr>
+          <p:style>
+            <a:lnRef idx="2">
+              <a:schemeClr val="accent1">
+                <a:shade val="50000"/>
+              </a:schemeClr>
+            </a:lnRef>
+            <a:fillRef idx="1">
+              <a:schemeClr val="accent1"/>
+            </a:fillRef>
+            <a:effectRef idx="0">
+              <a:schemeClr val="accent1"/>
+            </a:effectRef>
+            <a:fontRef idx="minor">
+              <a:schemeClr val="lt1"/>
+            </a:fontRef>
+          </p:style>
+          <p:txBody>
+            <a:bodyPr rtlCol="0" anchor="ctr"/>
+            <a:lstStyle/>
+            <a:p>
+              <a:pPr algn="ctr"/>
+              <a:endParaRPr lang="ko-KR" altLang="en-US"/>
+            </a:p>
+          </p:txBody>
+        </p:sp>
+        <p:sp>
+          <p:nvSpPr>
+            <p:cNvPr id="7" name="직사각형 6"/>
+            <p:cNvSpPr/>
+            <p:nvPr/>
+          </p:nvSpPr>
+          <p:spPr>
+            <a:xfrm>
+              <a:off x="4815008" y="1700808"/>
+              <a:ext cx="216024" cy="216024"/>
+            </a:xfrm>
+            <a:prstGeom prst="rect">
+              <a:avLst/>
+            </a:prstGeom>
+            <a:solidFill>
+              <a:srgbClr val="194B57"/>
+            </a:solidFill>
+            <a:ln>
+              <a:noFill/>
+            </a:ln>
+          </p:spPr>
+          <p:style>
+            <a:lnRef idx="2">
+              <a:schemeClr val="accent1">
+                <a:shade val="50000"/>
+              </a:schemeClr>
+            </a:lnRef>
+            <a:fillRef idx="1">
+              <a:schemeClr val="accent1"/>
+            </a:fillRef>
+            <a:effectRef idx="0">
+              <a:schemeClr val="accent1"/>
+            </a:effectRef>
+            <a:fontRef idx="minor">
+              <a:schemeClr val="lt1"/>
+            </a:fontRef>
+          </p:style>
+          <p:txBody>
+            <a:bodyPr rtlCol="0" anchor="ctr"/>
+            <a:lstStyle/>
+            <a:p>
+              <a:pPr algn="ctr"/>
+              <a:endParaRPr lang="ko-KR" altLang="en-US"/>
+            </a:p>
+          </p:txBody>
+        </p:sp>
+        <p:sp>
+          <p:nvSpPr>
+            <p:cNvPr id="8" name="직사각형 7"/>
+            <p:cNvSpPr/>
+            <p:nvPr/>
+          </p:nvSpPr>
+          <p:spPr>
+            <a:xfrm>
+              <a:off x="4815008" y="1916832"/>
+              <a:ext cx="216024" cy="216024"/>
+            </a:xfrm>
+            <a:prstGeom prst="rect">
+              <a:avLst/>
+            </a:prstGeom>
+            <a:solidFill>
+              <a:srgbClr val="472179"/>
+            </a:solidFill>
+            <a:ln>
+              <a:noFill/>
+            </a:ln>
+          </p:spPr>
+          <p:style>
+            <a:lnRef idx="2">
+              <a:schemeClr val="accent1">
+                <a:shade val="50000"/>
+              </a:schemeClr>
+            </a:lnRef>
+            <a:fillRef idx="1">
+              <a:schemeClr val="accent1"/>
+            </a:fillRef>
+            <a:effectRef idx="0">
+              <a:schemeClr val="accent1"/>
+            </a:effectRef>
+            <a:fontRef idx="minor">
+              <a:schemeClr val="lt1"/>
+            </a:fontRef>
+          </p:style>
+          <p:txBody>
+            <a:bodyPr rtlCol="0" anchor="ctr"/>
+            <a:lstStyle/>
+            <a:p>
+              <a:pPr algn="ctr"/>
+              <a:endParaRPr lang="ko-KR" altLang="en-US">
+                <a:solidFill>
+                  <a:srgbClr val="6521AF"/>
+                </a:solidFill>
+              </a:endParaRPr>
+            </a:p>
+          </p:txBody>
+        </p:sp>
+      </p:grpSp>
+      <p:sp>
+        <p:nvSpPr>
+          <p:cNvPr id="2" name="내용 개체 틀 1"/>
+          <p:cNvSpPr>
+            <a:spLocks noGrp="1"/>
+          </p:cNvSpPr>
+          <p:nvPr>
+            <p:ph idx="1"/>
+          </p:nvPr>
+        </p:nvSpPr>
+        <p:spPr/>
+        <p:txBody>
+          <a:bodyPr/>
+          <a:lstStyle/>
+          <a:p>
+            <a:endParaRPr lang="ko-KR" altLang="en-US" dirty="0"/>
+          </a:p>
+        </p:txBody>
+      </p:sp>
+      <p:graphicFrame>
+        <p:nvGraphicFramePr>
+          <p:cNvPr id="9" name="Google Shape;169;g7c553259d1_0_81"/>
+          <p:cNvGraphicFramePr/>
+          <p:nvPr>
+            <p:extLst>
+              <p:ext uri="{D42A27DB-BD31-4B8C-83A1-F6EECF244321}">
+                <p14:modId xmlns:p14="http://schemas.microsoft.com/office/powerpoint/2010/main" val="1339188483"/>
+              </p:ext>
+            </p:extLst>
+          </p:nvPr>
+        </p:nvGraphicFramePr>
+        <p:xfrm>
+          <a:off x="8484285" y="2239761"/>
+          <a:ext cx="3532000" cy="3816512"/>
+        </p:xfrm>
+        <a:graphic>
+          <a:graphicData uri="http://schemas.openxmlformats.org/drawingml/2006/table">
+            <a:tbl>
+              <a:tblPr firstRow="1" bandRow="1">
+                <a:noFill/>
+              </a:tblPr>
+              <a:tblGrid>
+                <a:gridCol w="382900">
+                  <a:extLst>
+                    <a:ext uri="{9D8B030D-6E8A-4147-A177-3AD203B41FA5}">
+                      <a16:colId xmlns:a16="http://schemas.microsoft.com/office/drawing/2014/main" xmlns="" val="20000"/>
+                    </a:ext>
+                  </a:extLst>
+                </a:gridCol>
+                <a:gridCol w="3149100">
+                  <a:extLst>
+                    <a:ext uri="{9D8B030D-6E8A-4147-A177-3AD203B41FA5}">
+                      <a16:colId xmlns:a16="http://schemas.microsoft.com/office/drawing/2014/main" xmlns="" val="20001"/>
+                    </a:ext>
+                  </a:extLst>
+                </a:gridCol>
+              </a:tblGrid>
+              <a:tr h="326207">
+                <a:tc>
+                  <a:txBody>
+                    <a:bodyPr/>
+                    <a:lstStyle/>
+                    <a:p>
+                      <a:pPr marL="0" marR="0" lvl="0" indent="0" algn="ctr" rtl="0">
+                        <a:lnSpc>
+                          <a:spcPct val="100000"/>
+                        </a:lnSpc>
+                        <a:spcBef>
+                          <a:spcPts val="0"/>
+                        </a:spcBef>
+                        <a:spcAft>
+                          <a:spcPts val="0"/>
+                        </a:spcAft>
+                        <a:buClr>
+                          <a:srgbClr val="000000"/>
+                        </a:buClr>
+                        <a:buSzPts val="1500"/>
+                        <a:buFont typeface="Arial"/>
+                        <a:buNone/>
+                      </a:pPr>
+                      <a:r>
+                        <a:rPr lang="ko-KR" sz="1500" u="none" strike="noStrike" cap="none" dirty="0">
+                          <a:solidFill>
+                            <a:schemeClr val="dk1"/>
+                          </a:solidFill>
+                        </a:rPr>
+                        <a:t>#</a:t>
+                      </a:r>
+                      <a:endParaRPr sz="1500" u="none" strike="noStrike" cap="none" dirty="0">
+                        <a:solidFill>
+                          <a:schemeClr val="dk1"/>
+                        </a:solidFill>
+                      </a:endParaRPr>
+                    </a:p>
+                  </a:txBody>
+                  <a:tcPr marL="91450" marR="91450" marT="45725" marB="45725" anchor="ctr">
+                    <a:lnL w="12700" cap="flat" cmpd="sng">
+                      <a:solidFill>
+                        <a:schemeClr val="dk1"/>
+                      </a:solidFill>
+                      <a:prstDash val="solid"/>
+                      <a:round/>
+                      <a:headEnd type="none" w="sm" len="sm"/>
+                      <a:tailEnd type="none" w="sm" len="sm"/>
+                    </a:lnL>
+                    <a:lnR w="12700" cap="flat" cmpd="sng">
+                      <a:solidFill>
+                        <a:schemeClr val="dk1"/>
+                      </a:solidFill>
+                      <a:prstDash val="solid"/>
+                      <a:round/>
+                      <a:headEnd type="none" w="sm" len="sm"/>
+                      <a:tailEnd type="none" w="sm" len="sm"/>
+                    </a:lnR>
+                    <a:lnT w="12700" cap="flat" cmpd="sng">
+                      <a:solidFill>
+                        <a:schemeClr val="dk1"/>
+                      </a:solidFill>
+                      <a:prstDash val="solid"/>
+                      <a:round/>
+                      <a:headEnd type="none" w="sm" len="sm"/>
+                      <a:tailEnd type="none" w="sm" len="sm"/>
+                    </a:lnT>
+                    <a:lnB w="12700" cap="flat" cmpd="sng">
+                      <a:solidFill>
+                        <a:schemeClr val="dk1"/>
+                      </a:solidFill>
+                      <a:prstDash val="solid"/>
+                      <a:round/>
+                      <a:headEnd type="none" w="sm" len="sm"/>
+                      <a:tailEnd type="none" w="sm" len="sm"/>
+                    </a:lnB>
+                    <a:solidFill>
+                      <a:srgbClr val="D8D8D8"/>
+                    </a:solidFill>
+                  </a:tcPr>
+                </a:tc>
+                <a:tc>
+                  <a:txBody>
+                    <a:bodyPr/>
+                    <a:lstStyle/>
+                    <a:p>
+                      <a:pPr marL="0" marR="0" lvl="0" indent="0" algn="ctr" rtl="0">
+                        <a:lnSpc>
+                          <a:spcPct val="100000"/>
+                        </a:lnSpc>
+                        <a:spcBef>
+                          <a:spcPts val="0"/>
+                        </a:spcBef>
+                        <a:spcAft>
+                          <a:spcPts val="0"/>
+                        </a:spcAft>
+                        <a:buClr>
+                          <a:srgbClr val="000000"/>
+                        </a:buClr>
+                        <a:buSzPts val="1500"/>
+                        <a:buFont typeface="Arial"/>
+                        <a:buNone/>
+                      </a:pPr>
+                      <a:endParaRPr sz="1500" u="none" strike="noStrike" cap="none" dirty="0">
+                        <a:solidFill>
+                          <a:schemeClr val="dk1"/>
+                        </a:solidFill>
+                      </a:endParaRPr>
+                    </a:p>
+                  </a:txBody>
+                  <a:tcPr marL="91450" marR="91450" marT="45725" marB="45725" anchor="ctr">
+                    <a:lnL w="12700" cap="flat" cmpd="sng">
+                      <a:solidFill>
+                        <a:schemeClr val="dk1"/>
+                      </a:solidFill>
+                      <a:prstDash val="solid"/>
+                      <a:round/>
+                      <a:headEnd type="none" w="sm" len="sm"/>
+                      <a:tailEnd type="none" w="sm" len="sm"/>
+                    </a:lnL>
+                    <a:lnR w="12700" cap="flat" cmpd="sng">
+                      <a:solidFill>
+                        <a:schemeClr val="dk1"/>
+                      </a:solidFill>
+                      <a:prstDash val="solid"/>
+                      <a:round/>
+                      <a:headEnd type="none" w="sm" len="sm"/>
+                      <a:tailEnd type="none" w="sm" len="sm"/>
+                    </a:lnR>
+                    <a:lnT w="12700" cap="flat" cmpd="sng">
+                      <a:solidFill>
+                        <a:schemeClr val="dk1"/>
+                      </a:solidFill>
+                      <a:prstDash val="solid"/>
+                      <a:round/>
+                      <a:headEnd type="none" w="sm" len="sm"/>
+                      <a:tailEnd type="none" w="sm" len="sm"/>
+                    </a:lnT>
+                    <a:lnB w="12700" cap="flat" cmpd="sng">
+                      <a:solidFill>
+                        <a:schemeClr val="dk1"/>
+                      </a:solidFill>
+                      <a:prstDash val="solid"/>
+                      <a:round/>
+                      <a:headEnd type="none" w="sm" len="sm"/>
+                      <a:tailEnd type="none" w="sm" len="sm"/>
+                    </a:lnB>
+                    <a:solidFill>
+                      <a:srgbClr val="D8D8D8"/>
+                    </a:solidFill>
+                  </a:tcPr>
+                </a:tc>
+                <a:extLst>
+                  <a:ext uri="{0D108BD9-81ED-4DB2-BD59-A6C34878D82A}">
+                    <a16:rowId xmlns:a16="http://schemas.microsoft.com/office/drawing/2014/main" xmlns="" val="10000"/>
+                  </a:ext>
+                </a:extLst>
+              </a:tr>
+              <a:tr h="485007">
+                <a:tc>
+                  <a:txBody>
+                    <a:bodyPr/>
+                    <a:lstStyle/>
+                    <a:p>
+                      <a:pPr marL="0" marR="0" lvl="0" indent="0" algn="ctr" rtl="0">
+                        <a:lnSpc>
+                          <a:spcPct val="100000"/>
+                        </a:lnSpc>
+                        <a:spcBef>
+                          <a:spcPts val="0"/>
+                        </a:spcBef>
+                        <a:spcAft>
+                          <a:spcPts val="0"/>
+                        </a:spcAft>
+                        <a:buClr>
+                          <a:srgbClr val="000000"/>
+                        </a:buClr>
+                        <a:buSzPts val="1500"/>
+                        <a:buFont typeface="Arial"/>
+                        <a:buNone/>
+                      </a:pPr>
+                      <a:r>
+                        <a:rPr lang="en-US" sz="1500" dirty="0" smtClean="0"/>
+                        <a:t>3</a:t>
+                      </a:r>
+                      <a:endParaRPr sz="1500" dirty="0"/>
+                    </a:p>
+                  </a:txBody>
+                  <a:tcPr marL="91450" marR="91450" marT="45725" marB="45725" anchor="ctr">
+                    <a:lnL w="12700" cap="flat" cmpd="sng">
+                      <a:solidFill>
+                        <a:schemeClr val="dk1"/>
+                      </a:solidFill>
+                      <a:prstDash val="solid"/>
+                      <a:round/>
+                      <a:headEnd type="none" w="sm" len="sm"/>
+                      <a:tailEnd type="none" w="sm" len="sm"/>
+                    </a:lnL>
+                    <a:lnR w="12700" cap="flat" cmpd="sng">
+                      <a:solidFill>
+                        <a:schemeClr val="dk1"/>
+                      </a:solidFill>
+                      <a:prstDash val="solid"/>
+                      <a:round/>
+                      <a:headEnd type="none" w="sm" len="sm"/>
+                      <a:tailEnd type="none" w="sm" len="sm"/>
+                    </a:lnR>
+                    <a:lnT w="12700" cap="flat" cmpd="sng">
+                      <a:solidFill>
+                        <a:schemeClr val="dk1"/>
+                      </a:solidFill>
+                      <a:prstDash val="solid"/>
+                      <a:round/>
+                      <a:headEnd type="none" w="sm" len="sm"/>
+                      <a:tailEnd type="none" w="sm" len="sm"/>
+                    </a:lnT>
+                    <a:lnB w="12700" cap="flat" cmpd="sng">
+                      <a:solidFill>
+                        <a:schemeClr val="dk1"/>
+                      </a:solidFill>
+                      <a:prstDash val="solid"/>
+                      <a:round/>
+                      <a:headEnd type="none" w="sm" len="sm"/>
+                      <a:tailEnd type="none" w="sm" len="sm"/>
+                    </a:lnB>
+                    <a:solidFill>
+                      <a:schemeClr val="lt1"/>
+                    </a:solidFill>
+                  </a:tcPr>
+                </a:tc>
+                <a:tc>
+                  <a:txBody>
+                    <a:bodyPr/>
+                    <a:lstStyle/>
+                    <a:p>
+                      <a:pPr marL="0" marR="0" lvl="0" indent="0" algn="l">
+                        <a:lnSpc>
+                          <a:spcPct val="100000"/>
+                        </a:lnSpc>
+                        <a:spcBef>
+                          <a:spcPts val="0"/>
+                        </a:spcBef>
+                        <a:spcAft>
+                          <a:spcPts val="0"/>
+                        </a:spcAft>
+                        <a:buNone/>
+                      </a:pPr>
+                      <a:r>
+                        <a:rPr lang="ko-KR" altLang="en-US" sz="1500" b="0" i="0" u="none" strike="noStrike" cap="none" noProof="0" dirty="0" smtClean="0">
+                          <a:latin typeface="맑은 고딕"/>
+                        </a:rPr>
+                        <a:t>글 </a:t>
+                      </a:r>
+                      <a:r>
+                        <a:rPr lang="en-US" altLang="ko-KR" sz="1500" b="0" i="0" u="none" strike="noStrike" cap="none" noProof="0" dirty="0" smtClean="0">
+                          <a:latin typeface="맑은 고딕"/>
+                        </a:rPr>
+                        <a:t>10</a:t>
+                      </a:r>
+                      <a:r>
+                        <a:rPr lang="ko-KR" altLang="en-US" sz="1500" b="0" i="0" u="none" strike="noStrike" cap="none" noProof="0" dirty="0" smtClean="0">
+                          <a:latin typeface="맑은 고딕"/>
+                        </a:rPr>
+                        <a:t>개 단위로 페이지 </a:t>
+                      </a:r>
+                      <a:r>
+                        <a:rPr lang="ko-KR" altLang="en-US" sz="1500" b="0" i="0" u="none" strike="noStrike" cap="none" noProof="0" dirty="0" err="1" smtClean="0">
+                          <a:latin typeface="맑은 고딕"/>
+                        </a:rPr>
+                        <a:t>네이션</a:t>
+                      </a:r>
+                      <a:r>
+                        <a:rPr lang="ko-KR" altLang="en-US" sz="1500" b="0" i="0" u="none" strike="noStrike" cap="none" noProof="0" dirty="0" smtClean="0">
+                          <a:latin typeface="맑은 고딕"/>
+                        </a:rPr>
+                        <a:t> 구현</a:t>
+                      </a:r>
+                      <a:endParaRPr altLang="en-US" sz="1500" b="0" i="0" u="none" strike="noStrike" cap="none" noProof="0" dirty="0">
+                        <a:latin typeface="맑은 고딕"/>
+                      </a:endParaRPr>
+                    </a:p>
+                  </a:txBody>
+                  <a:tcPr marL="91450" marR="91450" marT="45725" marB="45725">
+                    <a:lnL w="12700" cap="flat" cmpd="sng">
+                      <a:solidFill>
+                        <a:schemeClr val="dk1"/>
+                      </a:solidFill>
+                      <a:prstDash val="solid"/>
+                      <a:round/>
+                      <a:headEnd type="none" w="sm" len="sm"/>
+                      <a:tailEnd type="none" w="sm" len="sm"/>
+                    </a:lnL>
+                    <a:lnR w="12700" cap="flat" cmpd="sng">
+                      <a:solidFill>
+                        <a:schemeClr val="dk1"/>
+                      </a:solidFill>
+                      <a:prstDash val="solid"/>
+                      <a:round/>
+                      <a:headEnd type="none" w="sm" len="sm"/>
+                      <a:tailEnd type="none" w="sm" len="sm"/>
+                    </a:lnR>
+                    <a:lnT w="12700" cap="flat" cmpd="sng">
+                      <a:solidFill>
+                        <a:schemeClr val="dk1"/>
+                      </a:solidFill>
+                      <a:prstDash val="solid"/>
+                      <a:round/>
+                      <a:headEnd type="none" w="sm" len="sm"/>
+                      <a:tailEnd type="none" w="sm" len="sm"/>
+                    </a:lnT>
+                    <a:lnB w="12700" cap="flat" cmpd="sng">
+                      <a:solidFill>
+                        <a:schemeClr val="dk1"/>
+                      </a:solidFill>
+                      <a:prstDash val="solid"/>
+                      <a:round/>
+                      <a:headEnd type="none" w="sm" len="sm"/>
+                      <a:tailEnd type="none" w="sm" len="sm"/>
+                    </a:lnB>
+                    <a:solidFill>
+                      <a:schemeClr val="lt1"/>
+                    </a:solidFill>
+                  </a:tcPr>
+                </a:tc>
+                <a:extLst>
+                  <a:ext uri="{0D108BD9-81ED-4DB2-BD59-A6C34878D82A}">
+                    <a16:rowId xmlns:a16="http://schemas.microsoft.com/office/drawing/2014/main" xmlns="" val="10001"/>
+                  </a:ext>
+                </a:extLst>
+              </a:tr>
+              <a:tr h="446498">
+                <a:tc>
+                  <a:txBody>
+                    <a:bodyPr/>
+                    <a:lstStyle/>
+                    <a:p>
+                      <a:pPr marL="0" marR="0" lvl="0" indent="0" algn="ctr" rtl="0">
+                        <a:lnSpc>
+                          <a:spcPct val="100000"/>
+                        </a:lnSpc>
+                        <a:spcBef>
+                          <a:spcPts val="0"/>
+                        </a:spcBef>
+                        <a:spcAft>
+                          <a:spcPts val="0"/>
+                        </a:spcAft>
+                        <a:buClr>
+                          <a:srgbClr val="000000"/>
+                        </a:buClr>
+                        <a:buSzPts val="1500"/>
+                        <a:buFont typeface="Arial"/>
+                        <a:buNone/>
+                      </a:pPr>
+                      <a:endParaRPr sz="1500" u="none" strike="noStrike" cap="none" dirty="0">
+                        <a:solidFill>
+                          <a:schemeClr val="dk1"/>
+                        </a:solidFill>
+                      </a:endParaRPr>
+                    </a:p>
+                  </a:txBody>
+                  <a:tcPr marL="91450" marR="91450" marT="45725" marB="45725" anchor="ctr">
+                    <a:lnL w="12700" cap="flat" cmpd="sng">
+                      <a:solidFill>
+                        <a:schemeClr val="dk1"/>
+                      </a:solidFill>
+                      <a:prstDash val="solid"/>
+                      <a:round/>
+                      <a:headEnd type="none" w="sm" len="sm"/>
+                      <a:tailEnd type="none" w="sm" len="sm"/>
+                    </a:lnL>
+                    <a:lnR w="12700" cap="flat" cmpd="sng">
+                      <a:solidFill>
+                        <a:schemeClr val="dk1"/>
+                      </a:solidFill>
+                      <a:prstDash val="solid"/>
+                      <a:round/>
+                      <a:headEnd type="none" w="sm" len="sm"/>
+                      <a:tailEnd type="none" w="sm" len="sm"/>
+                    </a:lnR>
+                    <a:lnT w="12700" cap="flat" cmpd="sng">
+                      <a:solidFill>
+                        <a:schemeClr val="dk1"/>
+                      </a:solidFill>
+                      <a:prstDash val="solid"/>
+                      <a:round/>
+                      <a:headEnd type="none" w="sm" len="sm"/>
+                      <a:tailEnd type="none" w="sm" len="sm"/>
+                    </a:lnT>
+                    <a:lnB w="12700" cap="flat" cmpd="sng">
+                      <a:solidFill>
+                        <a:schemeClr val="dk1"/>
+                      </a:solidFill>
+                      <a:prstDash val="solid"/>
+                      <a:round/>
+                      <a:headEnd type="none" w="sm" len="sm"/>
+                      <a:tailEnd type="none" w="sm" len="sm"/>
+                    </a:lnB>
+                    <a:solidFill>
+                      <a:schemeClr val="lt1"/>
+                    </a:solidFill>
+                  </a:tcPr>
+                </a:tc>
+                <a:tc>
+                  <a:txBody>
+                    <a:bodyPr/>
+                    <a:lstStyle/>
+                    <a:p>
+                      <a:pPr marL="0" marR="0" lvl="0" indent="0" algn="l">
+                        <a:lnSpc>
+                          <a:spcPct val="100000"/>
+                        </a:lnSpc>
+                        <a:spcBef>
+                          <a:spcPts val="0"/>
+                        </a:spcBef>
+                        <a:spcAft>
+                          <a:spcPts val="0"/>
+                        </a:spcAft>
+                        <a:buNone/>
+                      </a:pPr>
+                      <a:endParaRPr lang="ko-KR" altLang="en-US" sz="1500" b="0" i="0" u="none" strike="noStrike" cap="none" noProof="0" dirty="0">
+                        <a:latin typeface="Malgun Gothic"/>
+                        <a:ea typeface="Malgun Gothic"/>
+                      </a:endParaRPr>
+                    </a:p>
+                  </a:txBody>
+                  <a:tcPr marL="91450" marR="91450" marT="45725" marB="45725">
+                    <a:lnL w="12700" cap="flat" cmpd="sng">
+                      <a:solidFill>
+                        <a:schemeClr val="dk1"/>
+                      </a:solidFill>
+                      <a:prstDash val="solid"/>
+                      <a:round/>
+                      <a:headEnd type="none" w="sm" len="sm"/>
+                      <a:tailEnd type="none" w="sm" len="sm"/>
+                    </a:lnL>
+                    <a:lnR w="12700" cap="flat" cmpd="sng">
+                      <a:solidFill>
+                        <a:schemeClr val="dk1"/>
+                      </a:solidFill>
+                      <a:prstDash val="solid"/>
+                      <a:round/>
+                      <a:headEnd type="none" w="sm" len="sm"/>
+                      <a:tailEnd type="none" w="sm" len="sm"/>
+                    </a:lnR>
+                    <a:lnT w="12700" cap="flat" cmpd="sng">
+                      <a:solidFill>
+                        <a:schemeClr val="dk1"/>
+                      </a:solidFill>
+                      <a:prstDash val="solid"/>
+                      <a:round/>
+                      <a:headEnd type="none" w="sm" len="sm"/>
+                      <a:tailEnd type="none" w="sm" len="sm"/>
+                    </a:lnT>
+                    <a:lnB w="12700" cap="flat" cmpd="sng">
+                      <a:solidFill>
+                        <a:schemeClr val="dk1"/>
+                      </a:solidFill>
+                      <a:prstDash val="solid"/>
+                      <a:round/>
+                      <a:headEnd type="none" w="sm" len="sm"/>
+                      <a:tailEnd type="none" w="sm" len="sm"/>
+                    </a:lnB>
+                    <a:solidFill>
+                      <a:schemeClr val="lt1"/>
+                    </a:solidFill>
+                  </a:tcPr>
+                </a:tc>
+                <a:extLst>
+                  <a:ext uri="{0D108BD9-81ED-4DB2-BD59-A6C34878D82A}">
+                    <a16:rowId xmlns:a16="http://schemas.microsoft.com/office/drawing/2014/main" xmlns="" val="10002"/>
+                  </a:ext>
+                </a:extLst>
+              </a:tr>
+              <a:tr h="516541">
+                <a:tc>
+                  <a:txBody>
+                    <a:bodyPr/>
+                    <a:lstStyle/>
+                    <a:p>
+                      <a:pPr marL="0" marR="0" lvl="0" indent="0" algn="ctr" rtl="0">
+                        <a:lnSpc>
+                          <a:spcPct val="100000"/>
+                        </a:lnSpc>
+                        <a:spcBef>
+                          <a:spcPts val="0"/>
+                        </a:spcBef>
+                        <a:spcAft>
+                          <a:spcPts val="0"/>
+                        </a:spcAft>
+                        <a:buClr>
+                          <a:srgbClr val="000000"/>
+                        </a:buClr>
+                        <a:buSzPts val="1500"/>
+                        <a:buFont typeface="Arial"/>
+                        <a:buNone/>
+                      </a:pPr>
+                      <a:endParaRPr sz="1500" u="none" strike="noStrike" cap="none" dirty="0">
+                        <a:solidFill>
+                          <a:schemeClr val="dk1"/>
+                        </a:solidFill>
+                      </a:endParaRPr>
+                    </a:p>
+                  </a:txBody>
+                  <a:tcPr marL="91450" marR="91450" marT="45725" marB="45725" anchor="ctr">
+                    <a:lnL w="12700" cap="flat" cmpd="sng">
+                      <a:solidFill>
+                        <a:schemeClr val="dk1"/>
+                      </a:solidFill>
+                      <a:prstDash val="solid"/>
+                      <a:round/>
+                      <a:headEnd type="none" w="sm" len="sm"/>
+                      <a:tailEnd type="none" w="sm" len="sm"/>
+                    </a:lnL>
+                    <a:lnR w="12700" cap="flat" cmpd="sng">
+                      <a:solidFill>
+                        <a:schemeClr val="dk1"/>
+                      </a:solidFill>
+                      <a:prstDash val="solid"/>
+                      <a:round/>
+                      <a:headEnd type="none" w="sm" len="sm"/>
+                      <a:tailEnd type="none" w="sm" len="sm"/>
+                    </a:lnR>
+                    <a:lnT w="12700" cap="flat" cmpd="sng">
+                      <a:solidFill>
+                        <a:schemeClr val="dk1"/>
+                      </a:solidFill>
+                      <a:prstDash val="solid"/>
+                      <a:round/>
+                      <a:headEnd type="none" w="sm" len="sm"/>
+                      <a:tailEnd type="none" w="sm" len="sm"/>
+                    </a:lnT>
+                    <a:lnB w="12700" cap="flat" cmpd="sng">
+                      <a:solidFill>
+                        <a:schemeClr val="dk1"/>
+                      </a:solidFill>
+                      <a:prstDash val="solid"/>
+                      <a:round/>
+                      <a:headEnd type="none" w="sm" len="sm"/>
+                      <a:tailEnd type="none" w="sm" len="sm"/>
+                    </a:lnB>
+                    <a:solidFill>
+                      <a:schemeClr val="lt1"/>
+                    </a:solidFill>
+                  </a:tcPr>
+                </a:tc>
+                <a:tc>
+                  <a:txBody>
+                    <a:bodyPr/>
+                    <a:lstStyle/>
+                    <a:p>
+                      <a:pPr marL="0" marR="0" lvl="0" indent="0" algn="l" rtl="0">
+                        <a:lnSpc>
+                          <a:spcPct val="100000"/>
+                        </a:lnSpc>
+                        <a:spcBef>
+                          <a:spcPts val="0"/>
+                        </a:spcBef>
+                        <a:spcAft>
+                          <a:spcPts val="0"/>
+                        </a:spcAft>
+                        <a:buFont typeface="Arial"/>
+                        <a:buNone/>
+                      </a:pPr>
+                      <a:endParaRPr sz="1500" u="none" strike="noStrike" cap="none" dirty="0">
+                        <a:solidFill>
+                          <a:schemeClr val="dk1"/>
+                        </a:solidFill>
+                      </a:endParaRPr>
+                    </a:p>
+                  </a:txBody>
+                  <a:tcPr marL="91450" marR="91450" marT="45725" marB="45725">
+                    <a:lnL w="12700" cap="flat" cmpd="sng">
+                      <a:solidFill>
+                        <a:schemeClr val="dk1"/>
+                      </a:solidFill>
+                      <a:prstDash val="solid"/>
+                      <a:round/>
+                      <a:headEnd type="none" w="sm" len="sm"/>
+                      <a:tailEnd type="none" w="sm" len="sm"/>
+                    </a:lnL>
+                    <a:lnR w="12700" cap="flat" cmpd="sng">
+                      <a:solidFill>
+                        <a:schemeClr val="dk1"/>
+                      </a:solidFill>
+                      <a:prstDash val="solid"/>
+                      <a:round/>
+                      <a:headEnd type="none" w="sm" len="sm"/>
+                      <a:tailEnd type="none" w="sm" len="sm"/>
+                    </a:lnR>
+                    <a:lnT w="12700" cap="flat" cmpd="sng">
+                      <a:solidFill>
+                        <a:schemeClr val="dk1"/>
+                      </a:solidFill>
+                      <a:prstDash val="solid"/>
+                      <a:round/>
+                      <a:headEnd type="none" w="sm" len="sm"/>
+                      <a:tailEnd type="none" w="sm" len="sm"/>
+                    </a:lnT>
+                    <a:lnB w="12700" cap="flat" cmpd="sng">
+                      <a:solidFill>
+                        <a:schemeClr val="dk1"/>
+                      </a:solidFill>
+                      <a:prstDash val="solid"/>
+                      <a:round/>
+                      <a:headEnd type="none" w="sm" len="sm"/>
+                      <a:tailEnd type="none" w="sm" len="sm"/>
+                    </a:lnB>
+                    <a:solidFill>
+                      <a:schemeClr val="lt1"/>
+                    </a:solidFill>
+                  </a:tcPr>
+                </a:tc>
+                <a:extLst>
+                  <a:ext uri="{0D108BD9-81ED-4DB2-BD59-A6C34878D82A}">
+                    <a16:rowId xmlns:a16="http://schemas.microsoft.com/office/drawing/2014/main" xmlns="" val="10003"/>
+                  </a:ext>
+                </a:extLst>
+              </a:tr>
+              <a:tr h="457200">
+                <a:tc>
+                  <a:txBody>
+                    <a:bodyPr/>
+                    <a:lstStyle/>
+                    <a:p>
+                      <a:pPr marL="0" marR="0" lvl="0" indent="0" algn="ctr" rtl="0">
+                        <a:lnSpc>
+                          <a:spcPct val="100000"/>
+                        </a:lnSpc>
+                        <a:spcBef>
+                          <a:spcPts val="0"/>
+                        </a:spcBef>
+                        <a:spcAft>
+                          <a:spcPts val="0"/>
+                        </a:spcAft>
+                        <a:buClr>
+                          <a:srgbClr val="000000"/>
+                        </a:buClr>
+                        <a:buSzPts val="1500"/>
+                        <a:buFont typeface="Arial"/>
+                        <a:buNone/>
+                      </a:pPr>
+                      <a:endParaRPr sz="1500" u="none" strike="noStrike" cap="none" dirty="0">
+                        <a:solidFill>
+                          <a:schemeClr val="dk1"/>
+                        </a:solidFill>
+                      </a:endParaRPr>
+                    </a:p>
+                  </a:txBody>
+                  <a:tcPr marL="91450" marR="91450" marT="45725" marB="45725" anchor="ctr">
+                    <a:lnL w="12700" cap="flat" cmpd="sng">
+                      <a:solidFill>
+                        <a:schemeClr val="dk1"/>
+                      </a:solidFill>
+                      <a:prstDash val="solid"/>
+                      <a:round/>
+                      <a:headEnd type="none" w="sm" len="sm"/>
+                      <a:tailEnd type="none" w="sm" len="sm"/>
+                    </a:lnL>
+                    <a:lnR w="12700" cap="flat" cmpd="sng">
+                      <a:solidFill>
+                        <a:schemeClr val="dk1"/>
+                      </a:solidFill>
+                      <a:prstDash val="solid"/>
+                      <a:round/>
+                      <a:headEnd type="none" w="sm" len="sm"/>
+                      <a:tailEnd type="none" w="sm" len="sm"/>
+                    </a:lnR>
+                    <a:lnT w="12700" cap="flat" cmpd="sng">
+                      <a:solidFill>
+                        <a:schemeClr val="dk1"/>
+                      </a:solidFill>
+                      <a:prstDash val="solid"/>
+                      <a:round/>
+                      <a:headEnd type="none" w="sm" len="sm"/>
+                      <a:tailEnd type="none" w="sm" len="sm"/>
+                    </a:lnT>
+                    <a:lnB w="12700" cap="flat" cmpd="sng">
+                      <a:solidFill>
+                        <a:schemeClr val="dk1"/>
+                      </a:solidFill>
+                      <a:prstDash val="solid"/>
+                      <a:round/>
+                      <a:headEnd type="none" w="sm" len="sm"/>
+                      <a:tailEnd type="none" w="sm" len="sm"/>
+                    </a:lnB>
+                    <a:solidFill>
+                      <a:schemeClr val="lt1"/>
+                    </a:solidFill>
+                  </a:tcPr>
+                </a:tc>
+                <a:tc>
+                  <a:txBody>
+                    <a:bodyPr/>
+                    <a:lstStyle/>
+                    <a:p>
+                      <a:pPr marL="0" marR="0" lvl="0" indent="0" algn="l" rtl="0">
+                        <a:lnSpc>
+                          <a:spcPct val="100000"/>
+                        </a:lnSpc>
+                        <a:spcBef>
+                          <a:spcPts val="0"/>
+                        </a:spcBef>
+                        <a:spcAft>
+                          <a:spcPts val="0"/>
+                        </a:spcAft>
+                        <a:buNone/>
+                      </a:pPr>
+                      <a:endParaRPr lang="en-US" altLang="ko-KR" sz="1500" u="none" strike="noStrike" cap="none" dirty="0" smtClean="0">
+                        <a:solidFill>
+                          <a:schemeClr val="dk1"/>
+                        </a:solidFill>
+                      </a:endParaRPr>
+                    </a:p>
+                  </a:txBody>
+                  <a:tcPr marL="91450" marR="91450" marT="45725" marB="45725">
+                    <a:lnL w="12700" cap="flat" cmpd="sng">
+                      <a:solidFill>
+                        <a:schemeClr val="dk1"/>
+                      </a:solidFill>
+                      <a:prstDash val="solid"/>
+                      <a:round/>
+                      <a:headEnd type="none" w="sm" len="sm"/>
+                      <a:tailEnd type="none" w="sm" len="sm"/>
+                    </a:lnL>
+                    <a:lnR w="12700" cap="flat" cmpd="sng">
+                      <a:solidFill>
+                        <a:schemeClr val="dk1"/>
+                      </a:solidFill>
+                      <a:prstDash val="solid"/>
+                      <a:round/>
+                      <a:headEnd type="none" w="sm" len="sm"/>
+                      <a:tailEnd type="none" w="sm" len="sm"/>
+                    </a:lnR>
+                    <a:lnT w="12700" cap="flat" cmpd="sng">
+                      <a:solidFill>
+                        <a:schemeClr val="dk1"/>
+                      </a:solidFill>
+                      <a:prstDash val="solid"/>
+                      <a:round/>
+                      <a:headEnd type="none" w="sm" len="sm"/>
+                      <a:tailEnd type="none" w="sm" len="sm"/>
+                    </a:lnT>
+                    <a:lnB w="12700" cap="flat" cmpd="sng">
+                      <a:solidFill>
+                        <a:schemeClr val="dk1"/>
+                      </a:solidFill>
+                      <a:prstDash val="solid"/>
+                      <a:round/>
+                      <a:headEnd type="none" w="sm" len="sm"/>
+                      <a:tailEnd type="none" w="sm" len="sm"/>
+                    </a:lnB>
+                    <a:solidFill>
+                      <a:schemeClr val="lt1"/>
+                    </a:solidFill>
+                  </a:tcPr>
+                </a:tc>
+                <a:extLst>
+                  <a:ext uri="{0D108BD9-81ED-4DB2-BD59-A6C34878D82A}">
+                    <a16:rowId xmlns:a16="http://schemas.microsoft.com/office/drawing/2014/main" xmlns="" val="10004"/>
+                  </a:ext>
+                </a:extLst>
+              </a:tr>
+              <a:tr h="482048">
+                <a:tc>
+                  <a:txBody>
+                    <a:bodyPr/>
+                    <a:lstStyle/>
+                    <a:p>
+                      <a:pPr marL="0" marR="0" lvl="0" indent="0" algn="ctr" rtl="0">
+                        <a:lnSpc>
+                          <a:spcPct val="100000"/>
+                        </a:lnSpc>
+                        <a:spcBef>
+                          <a:spcPts val="0"/>
+                        </a:spcBef>
+                        <a:spcAft>
+                          <a:spcPts val="0"/>
+                        </a:spcAft>
+                        <a:buClr>
+                          <a:srgbClr val="000000"/>
+                        </a:buClr>
+                        <a:buSzPts val="1500"/>
+                        <a:buFont typeface="Arial"/>
+                        <a:buNone/>
+                      </a:pPr>
+                      <a:endParaRPr sz="1500" u="none" strike="noStrike" cap="none" dirty="0">
+                        <a:solidFill>
+                          <a:schemeClr val="dk1"/>
+                        </a:solidFill>
+                      </a:endParaRPr>
+                    </a:p>
+                  </a:txBody>
+                  <a:tcPr marL="91450" marR="91450" marT="45725" marB="45725" anchor="ctr">
+                    <a:lnL w="12700" cap="flat" cmpd="sng">
+                      <a:solidFill>
+                        <a:schemeClr val="dk1"/>
+                      </a:solidFill>
+                      <a:prstDash val="solid"/>
+                      <a:round/>
+                      <a:headEnd type="none" w="sm" len="sm"/>
+                      <a:tailEnd type="none" w="sm" len="sm"/>
+                    </a:lnL>
+                    <a:lnR w="12700" cap="flat" cmpd="sng">
+                      <a:solidFill>
+                        <a:schemeClr val="dk1"/>
+                      </a:solidFill>
+                      <a:prstDash val="solid"/>
+                      <a:round/>
+                      <a:headEnd type="none" w="sm" len="sm"/>
+                      <a:tailEnd type="none" w="sm" len="sm"/>
+                    </a:lnR>
+                    <a:lnT w="12700" cap="flat" cmpd="sng">
+                      <a:solidFill>
+                        <a:schemeClr val="dk1"/>
+                      </a:solidFill>
+                      <a:prstDash val="solid"/>
+                      <a:round/>
+                      <a:headEnd type="none" w="sm" len="sm"/>
+                      <a:tailEnd type="none" w="sm" len="sm"/>
+                    </a:lnT>
+                    <a:lnB w="12700" cap="flat" cmpd="sng">
+                      <a:solidFill>
+                        <a:schemeClr val="dk1"/>
+                      </a:solidFill>
+                      <a:prstDash val="solid"/>
+                      <a:round/>
+                      <a:headEnd type="none" w="sm" len="sm"/>
+                      <a:tailEnd type="none" w="sm" len="sm"/>
+                    </a:lnB>
+                    <a:solidFill>
+                      <a:schemeClr val="lt1"/>
+                    </a:solidFill>
+                  </a:tcPr>
+                </a:tc>
+                <a:tc>
+                  <a:txBody>
+                    <a:bodyPr/>
+                    <a:lstStyle/>
+                    <a:p>
+                      <a:pPr marL="0" marR="0" lvl="0" indent="0" algn="l" defTabSz="914400" rtl="0" eaLnBrk="1" fontAlgn="auto" latinLnBrk="1" hangingPunct="1">
+                        <a:lnSpc>
+                          <a:spcPct val="100000"/>
+                        </a:lnSpc>
+                        <a:spcBef>
+                          <a:spcPts val="0"/>
+                        </a:spcBef>
+                        <a:spcAft>
+                          <a:spcPts val="0"/>
+                        </a:spcAft>
+                        <a:buClr>
+                          <a:srgbClr val="000000"/>
+                        </a:buClr>
+                        <a:buSzPts val="1500"/>
+                        <a:buFont typeface="Arial"/>
+                        <a:buNone/>
+                        <a:tabLst/>
+                        <a:defRPr/>
+                      </a:pPr>
+                      <a:endParaRPr lang="ko-KR" altLang="en-US" sz="1500" u="none" strike="noStrike" cap="none" dirty="0" smtClean="0">
+                        <a:solidFill>
+                          <a:schemeClr val="dk1"/>
+                        </a:solidFill>
+                      </a:endParaRPr>
+                    </a:p>
+                  </a:txBody>
+                  <a:tcPr marL="91450" marR="91450" marT="45725" marB="45725">
+                    <a:lnL w="12700" cap="flat" cmpd="sng">
+                      <a:solidFill>
+                        <a:schemeClr val="dk1"/>
+                      </a:solidFill>
+                      <a:prstDash val="solid"/>
+                      <a:round/>
+                      <a:headEnd type="none" w="sm" len="sm"/>
+                      <a:tailEnd type="none" w="sm" len="sm"/>
+                    </a:lnL>
+                    <a:lnR w="12700" cap="flat" cmpd="sng">
+                      <a:solidFill>
+                        <a:schemeClr val="dk1"/>
+                      </a:solidFill>
+                      <a:prstDash val="solid"/>
+                      <a:round/>
+                      <a:headEnd type="none" w="sm" len="sm"/>
+                      <a:tailEnd type="none" w="sm" len="sm"/>
+                    </a:lnR>
+                    <a:lnT w="12700" cap="flat" cmpd="sng">
+                      <a:solidFill>
+                        <a:schemeClr val="dk1"/>
+                      </a:solidFill>
+                      <a:prstDash val="solid"/>
+                      <a:round/>
+                      <a:headEnd type="none" w="sm" len="sm"/>
+                      <a:tailEnd type="none" w="sm" len="sm"/>
+                    </a:lnT>
+                    <a:lnB w="12700" cap="flat" cmpd="sng">
+                      <a:solidFill>
+                        <a:schemeClr val="dk1"/>
+                      </a:solidFill>
+                      <a:prstDash val="solid"/>
+                      <a:round/>
+                      <a:headEnd type="none" w="sm" len="sm"/>
+                      <a:tailEnd type="none" w="sm" len="sm"/>
+                    </a:lnB>
+                    <a:solidFill>
+                      <a:schemeClr val="lt1"/>
+                    </a:solidFill>
+                  </a:tcPr>
+                </a:tc>
+                <a:extLst>
+                  <a:ext uri="{0D108BD9-81ED-4DB2-BD59-A6C34878D82A}">
+                    <a16:rowId xmlns:a16="http://schemas.microsoft.com/office/drawing/2014/main" xmlns="" val="10005"/>
+                  </a:ext>
+                </a:extLst>
+              </a:tr>
+              <a:tr h="490718">
+                <a:tc>
+                  <a:txBody>
+                    <a:bodyPr/>
+                    <a:lstStyle/>
+                    <a:p>
+                      <a:pPr marL="0" marR="0" lvl="0" indent="0" algn="ctr" rtl="0">
+                        <a:lnSpc>
+                          <a:spcPct val="100000"/>
+                        </a:lnSpc>
+                        <a:spcBef>
+                          <a:spcPts val="0"/>
+                        </a:spcBef>
+                        <a:spcAft>
+                          <a:spcPts val="0"/>
+                        </a:spcAft>
+                        <a:buNone/>
+                      </a:pPr>
+                      <a:endParaRPr sz="1500" dirty="0"/>
+                    </a:p>
+                  </a:txBody>
+                  <a:tcPr marL="91450" marR="91450" marT="45725" marB="45725" anchor="ctr">
+                    <a:lnL w="12700" cap="flat" cmpd="sng">
+                      <a:solidFill>
+                        <a:schemeClr val="dk1"/>
+                      </a:solidFill>
+                      <a:prstDash val="solid"/>
+                      <a:round/>
+                      <a:headEnd type="none" w="sm" len="sm"/>
+                      <a:tailEnd type="none" w="sm" len="sm"/>
+                    </a:lnL>
+                    <a:lnR w="12700" cap="flat" cmpd="sng">
+                      <a:solidFill>
+                        <a:schemeClr val="dk1"/>
+                      </a:solidFill>
+                      <a:prstDash val="solid"/>
+                      <a:round/>
+                      <a:headEnd type="none" w="sm" len="sm"/>
+                      <a:tailEnd type="none" w="sm" len="sm"/>
+                    </a:lnR>
+                    <a:lnT w="12700" cap="flat" cmpd="sng">
+                      <a:solidFill>
+                        <a:schemeClr val="dk1"/>
+                      </a:solidFill>
+                      <a:prstDash val="solid"/>
+                      <a:round/>
+                      <a:headEnd type="none" w="sm" len="sm"/>
+                      <a:tailEnd type="none" w="sm" len="sm"/>
+                    </a:lnT>
+                    <a:lnB w="12700" cap="flat" cmpd="sng" algn="ctr">
+                      <a:solidFill>
+                        <a:schemeClr val="dk1"/>
+                      </a:solidFill>
+                      <a:prstDash val="solid"/>
+                      <a:round/>
+                      <a:headEnd type="none" w="sm" len="sm"/>
+                      <a:tailEnd type="none" w="sm" len="sm"/>
+                    </a:lnB>
+                    <a:solidFill>
+                      <a:schemeClr val="lt1"/>
+                    </a:solidFill>
+                  </a:tcPr>
+                </a:tc>
+                <a:tc>
+                  <a:txBody>
+                    <a:bodyPr/>
+                    <a:lstStyle/>
+                    <a:p>
+                      <a:pPr marL="0" marR="0" lvl="0" indent="0" algn="l" rtl="0">
+                        <a:lnSpc>
+                          <a:spcPct val="100000"/>
+                        </a:lnSpc>
+                        <a:spcBef>
+                          <a:spcPts val="0"/>
+                        </a:spcBef>
+                        <a:spcAft>
+                          <a:spcPts val="0"/>
+                        </a:spcAft>
+                        <a:buNone/>
+                      </a:pPr>
+                      <a:endParaRPr sz="1500" dirty="0"/>
+                    </a:p>
+                  </a:txBody>
+                  <a:tcPr marL="91450" marR="91450" marT="45725" marB="45725">
+                    <a:lnL w="12700" cap="flat" cmpd="sng">
+                      <a:solidFill>
+                        <a:schemeClr val="dk1"/>
+                      </a:solidFill>
+                      <a:prstDash val="solid"/>
+                      <a:round/>
+                      <a:headEnd type="none" w="sm" len="sm"/>
+                      <a:tailEnd type="none" w="sm" len="sm"/>
+                    </a:lnL>
+                    <a:lnR w="12700" cap="flat" cmpd="sng">
+                      <a:solidFill>
+                        <a:schemeClr val="dk1"/>
+                      </a:solidFill>
+                      <a:prstDash val="solid"/>
+                      <a:round/>
+                      <a:headEnd type="none" w="sm" len="sm"/>
+                      <a:tailEnd type="none" w="sm" len="sm"/>
+                    </a:lnR>
+                    <a:lnT w="12700" cap="flat" cmpd="sng">
+                      <a:solidFill>
+                        <a:schemeClr val="dk1"/>
+                      </a:solidFill>
+                      <a:prstDash val="solid"/>
+                      <a:round/>
+                      <a:headEnd type="none" w="sm" len="sm"/>
+                      <a:tailEnd type="none" w="sm" len="sm"/>
+                    </a:lnT>
+                    <a:lnB w="12700" cap="flat" cmpd="sng" algn="ctr">
+                      <a:solidFill>
+                        <a:schemeClr val="dk1"/>
+                      </a:solidFill>
+                      <a:prstDash val="solid"/>
+                      <a:round/>
+                      <a:headEnd type="none" w="sm" len="sm"/>
+                      <a:tailEnd type="none" w="sm" len="sm"/>
+                    </a:lnB>
+                    <a:solidFill>
+                      <a:schemeClr val="lt1"/>
+                    </a:solidFill>
+                  </a:tcPr>
+                </a:tc>
+                <a:extLst>
+                  <a:ext uri="{0D108BD9-81ED-4DB2-BD59-A6C34878D82A}">
+                    <a16:rowId xmlns:a16="http://schemas.microsoft.com/office/drawing/2014/main" xmlns="" val="10006"/>
+                  </a:ext>
+                </a:extLst>
+              </a:tr>
+              <a:tr h="505838">
+                <a:tc>
+                  <a:txBody>
+                    <a:bodyPr/>
+                    <a:lstStyle/>
+                    <a:p>
+                      <a:pPr marL="0" marR="0" lvl="0" indent="0" algn="ctr" defTabSz="914400" rtl="0" eaLnBrk="1" fontAlgn="auto" latinLnBrk="1" hangingPunct="1">
+                        <a:lnSpc>
+                          <a:spcPct val="100000"/>
+                        </a:lnSpc>
+                        <a:spcBef>
+                          <a:spcPts val="0"/>
+                        </a:spcBef>
+                        <a:spcAft>
+                          <a:spcPts val="0"/>
+                        </a:spcAft>
+                        <a:buClrTx/>
+                        <a:buSzTx/>
+                        <a:buFontTx/>
+                        <a:buNone/>
+                        <a:tabLst/>
+                        <a:defRPr/>
+                      </a:pPr>
+                      <a:endParaRPr lang="en-US" altLang="ko-KR" sz="1500" dirty="0" smtClean="0"/>
+                    </a:p>
+                  </a:txBody>
+                  <a:tcPr marL="91450" marR="91450" marT="45725" marB="45725" anchor="ctr">
+                    <a:lnL w="12700" cap="flat" cmpd="sng" algn="ctr">
+                      <a:solidFill>
+                        <a:schemeClr val="dk1"/>
+                      </a:solidFill>
+                      <a:prstDash val="solid"/>
+                      <a:round/>
+                      <a:headEnd type="none" w="sm" len="sm"/>
+                      <a:tailEnd type="none" w="sm" len="sm"/>
+                    </a:lnL>
+                    <a:lnR w="12700" cap="flat" cmpd="sng" algn="ctr">
+                      <a:solidFill>
+                        <a:schemeClr val="dk1"/>
+                      </a:solidFill>
+                      <a:prstDash val="solid"/>
+                      <a:round/>
+                      <a:headEnd type="none" w="sm" len="sm"/>
+                      <a:tailEnd type="none" w="sm" len="sm"/>
+                    </a:lnR>
+                    <a:lnT w="12700" cap="flat" cmpd="sng" algn="ctr">
+                      <a:solidFill>
+                        <a:schemeClr val="dk1"/>
+                      </a:solidFill>
+                      <a:prstDash val="solid"/>
+                      <a:round/>
+                      <a:headEnd type="none" w="sm" len="sm"/>
+                      <a:tailEnd type="none" w="sm" len="sm"/>
+                    </a:lnT>
+                    <a:lnB w="12700" cap="flat" cmpd="sng">
+                      <a:solidFill>
+                        <a:schemeClr val="dk1"/>
+                      </a:solidFill>
+                      <a:prstDash val="solid"/>
+                      <a:round/>
+                      <a:headEnd type="none" w="sm" len="sm"/>
+                      <a:tailEnd type="none" w="sm" len="sm"/>
+                    </a:lnB>
+                    <a:solidFill>
+                      <a:schemeClr val="lt1"/>
+                    </a:solidFill>
+                  </a:tcPr>
+                </a:tc>
+                <a:tc>
+                  <a:txBody>
+                    <a:bodyPr/>
+                    <a:lstStyle/>
+                    <a:p>
+                      <a:pPr marL="0" marR="0" lvl="0" indent="0" algn="l" defTabSz="914400" rtl="0" eaLnBrk="1" fontAlgn="auto" latinLnBrk="1" hangingPunct="1">
+                        <a:lnSpc>
+                          <a:spcPct val="100000"/>
+                        </a:lnSpc>
+                        <a:spcBef>
+                          <a:spcPts val="0"/>
+                        </a:spcBef>
+                        <a:spcAft>
+                          <a:spcPts val="0"/>
+                        </a:spcAft>
+                        <a:buClrTx/>
+                        <a:buSzTx/>
+                        <a:buFontTx/>
+                        <a:buNone/>
+                        <a:tabLst/>
+                        <a:defRPr/>
+                      </a:pPr>
+                      <a:r>
+                        <a:rPr lang="ko-KR" altLang="en-US" sz="1500" baseline="0" dirty="0" smtClean="0"/>
+                        <a:t>날짜는 </a:t>
+                      </a:r>
+                      <a:r>
+                        <a:rPr lang="en-US" altLang="ko-KR" sz="1500" baseline="0" dirty="0" smtClean="0"/>
+                        <a:t>– </a:t>
+                      </a:r>
+                      <a:r>
+                        <a:rPr lang="en-US" altLang="ko-KR" sz="1500" baseline="0" dirty="0" err="1" smtClean="0"/>
+                        <a:t>datepicker</a:t>
+                      </a:r>
+                      <a:endParaRPr lang="en-US" altLang="ko-KR" sz="1500" baseline="0" dirty="0" smtClean="0"/>
+                    </a:p>
+                    <a:p>
+                      <a:pPr marL="0" marR="0" lvl="0" indent="0" algn="l" defTabSz="914400" rtl="0" eaLnBrk="1" fontAlgn="auto" latinLnBrk="1" hangingPunct="1">
+                        <a:lnSpc>
+                          <a:spcPct val="100000"/>
+                        </a:lnSpc>
+                        <a:spcBef>
+                          <a:spcPts val="0"/>
+                        </a:spcBef>
+                        <a:spcAft>
+                          <a:spcPts val="0"/>
+                        </a:spcAft>
+                        <a:buClrTx/>
+                        <a:buSzTx/>
+                        <a:buFontTx/>
+                        <a:buNone/>
+                        <a:tabLst/>
+                        <a:defRPr/>
+                      </a:pPr>
+                      <a:r>
+                        <a:rPr lang="en-US" altLang="ko-KR" sz="1500" baseline="0" dirty="0" smtClean="0"/>
+                        <a:t>Dialog – </a:t>
+                      </a:r>
+                      <a:r>
+                        <a:rPr lang="ko-KR" altLang="en-US" sz="1500" baseline="0" dirty="0" smtClean="0"/>
+                        <a:t>등록 하는 창 불러올 때</a:t>
+                      </a:r>
+                      <a:endParaRPr lang="ko-KR" altLang="en-US" sz="1500" dirty="0" smtClean="0"/>
+                    </a:p>
+                  </a:txBody>
+                  <a:tcPr marL="91450" marR="91450" marT="45725" marB="45725">
+                    <a:lnL w="12700" cap="flat" cmpd="sng" algn="ctr">
+                      <a:solidFill>
+                        <a:schemeClr val="dk1"/>
+                      </a:solidFill>
+                      <a:prstDash val="solid"/>
+                      <a:round/>
+                      <a:headEnd type="none" w="sm" len="sm"/>
+                      <a:tailEnd type="none" w="sm" len="sm"/>
+                    </a:lnL>
+                    <a:lnR w="12700" cap="flat" cmpd="sng" algn="ctr">
+                      <a:solidFill>
+                        <a:schemeClr val="dk1"/>
+                      </a:solidFill>
+                      <a:prstDash val="solid"/>
+                      <a:round/>
+                      <a:headEnd type="none" w="sm" len="sm"/>
+                      <a:tailEnd type="none" w="sm" len="sm"/>
+                    </a:lnR>
+                    <a:lnT w="12700" cap="flat" cmpd="sng" algn="ctr">
+                      <a:solidFill>
+                        <a:schemeClr val="dk1"/>
+                      </a:solidFill>
+                      <a:prstDash val="solid"/>
+                      <a:round/>
+                      <a:headEnd type="none" w="sm" len="sm"/>
+                      <a:tailEnd type="none" w="sm" len="sm"/>
+                    </a:lnT>
+                    <a:lnB w="12700" cap="flat" cmpd="sng">
+                      <a:solidFill>
+                        <a:schemeClr val="dk1"/>
+                      </a:solidFill>
+                      <a:prstDash val="solid"/>
+                      <a:round/>
+                      <a:headEnd type="none" w="sm" len="sm"/>
+                      <a:tailEnd type="none" w="sm" len="sm"/>
+                    </a:lnB>
+                    <a:solidFill>
+                      <a:schemeClr val="lt1"/>
+                    </a:solidFill>
+                  </a:tcPr>
+                </a:tc>
+                <a:extLst>
+                  <a:ext uri="{0D108BD9-81ED-4DB2-BD59-A6C34878D82A}">
+                    <a16:rowId xmlns:a16="http://schemas.microsoft.com/office/drawing/2014/main" xmlns="" val="10007"/>
+                  </a:ext>
+                </a:extLst>
+              </a:tr>
+            </a:tbl>
+          </a:graphicData>
+        </a:graphic>
+      </p:graphicFrame>
+      <p:pic>
+        <p:nvPicPr>
+          <p:cNvPr id="10" name="Picture 2"/>
+          <p:cNvPicPr>
+            <a:picLocks noChangeAspect="1" noChangeArrowheads="1"/>
+          </p:cNvPicPr>
+          <p:nvPr/>
+        </p:nvPicPr>
+        <p:blipFill>
+          <a:blip r:embed="rId2">
+            <a:extLst>
+              <a:ext uri="{28A0092B-C50C-407E-A947-70E740481C1C}">
+                <a14:useLocalDpi xmlns:a14="http://schemas.microsoft.com/office/drawing/2010/main" val="0"/>
+              </a:ext>
+            </a:extLst>
+          </a:blip>
+          <a:srcRect/>
+          <a:stretch>
+            <a:fillRect/>
+          </a:stretch>
+        </p:blipFill>
+        <p:spPr bwMode="auto">
+          <a:xfrm>
+            <a:off x="181792" y="1940145"/>
+            <a:ext cx="8099248" cy="3851054"/>
+          </a:xfrm>
+          <a:prstGeom prst="rect">
+            <a:avLst/>
+          </a:prstGeom>
+          <a:noFill/>
+          <a:ln>
+            <a:noFill/>
+          </a:ln>
+          <a:effectLst/>
+          <a:extLst>
+            <a:ext uri="{909E8E84-426E-40DD-AFC4-6F175D3DCCD1}">
+              <a14:hiddenFill xmlns:a14="http://schemas.microsoft.com/office/drawing/2010/main">
+                <a:solidFill>
+                  <a:schemeClr val="accent1"/>
+                </a:solidFill>
+              </a14:hiddenFill>
+            </a:ext>
+            <a:ext uri="{91240B29-F687-4F45-9708-019B960494DF}">
+              <a14:hiddenLine xmlns:a14="http://schemas.microsoft.com/office/drawing/2010/main" w="9525">
+                <a:solidFill>
+                  <a:schemeClr val="tx1"/>
+                </a:solidFill>
+                <a:miter lim="800000"/>
+                <a:headEnd/>
+                <a:tailEnd/>
+              </a14:hiddenLine>
+            </a:ext>
+            <a:ext uri="{AF507438-7753-43E0-B8FC-AC1667EBCBE1}">
+              <a14:hiddenEffects xmlns:a14="http://schemas.microsoft.com/office/drawing/2010/main">
+                <a:effectLst>
+                  <a:outerShdw dist="35921" dir="2700000" algn="ctr" rotWithShape="0">
+                    <a:schemeClr val="bg2"/>
+                  </a:outerShdw>
+                </a:effectLst>
+              </a14:hiddenEffects>
+            </a:ext>
+          </a:extLst>
+        </p:spPr>
+      </p:pic>
+      <p:sp>
+        <p:nvSpPr>
+          <p:cNvPr id="11" name="직사각형 10"/>
+          <p:cNvSpPr/>
+          <p:nvPr/>
+        </p:nvSpPr>
+        <p:spPr>
+          <a:xfrm>
+            <a:off x="389872" y="5198532"/>
+            <a:ext cx="7721600" cy="660400"/>
+          </a:xfrm>
+          <a:prstGeom prst="rect">
+            <a:avLst/>
+          </a:prstGeom>
+          <a:noFill/>
+          <a:ln w="38100">
+            <a:solidFill>
+              <a:srgbClr val="FF0000"/>
+            </a:solidFill>
+          </a:ln>
+        </p:spPr>
+        <p:style>
+          <a:lnRef idx="2">
+            <a:schemeClr val="accent1">
+              <a:shade val="50000"/>
+            </a:schemeClr>
+          </a:lnRef>
+          <a:fillRef idx="1">
+            <a:schemeClr val="accent1"/>
+          </a:fillRef>
+          <a:effectRef idx="0">
+            <a:schemeClr val="accent1"/>
+          </a:effectRef>
+          <a:fontRef idx="minor">
+            <a:schemeClr val="lt1"/>
+          </a:fontRef>
+        </p:style>
+        <p:txBody>
+          <a:bodyPr rtlCol="0" anchor="ctr"/>
+          <a:lstStyle/>
+          <a:p>
+            <a:pPr algn="ctr"/>
+            <a:endParaRPr lang="ko-KR" altLang="en-US"/>
+          </a:p>
+        </p:txBody>
+      </p:sp>
+      <p:graphicFrame>
+        <p:nvGraphicFramePr>
+          <p:cNvPr id="13" name="표 12"/>
+          <p:cNvGraphicFramePr>
+            <a:graphicFrameLocks noGrp="1"/>
+          </p:cNvGraphicFramePr>
+          <p:nvPr>
+            <p:extLst>
+              <p:ext uri="{D42A27DB-BD31-4B8C-83A1-F6EECF244321}">
+                <p14:modId xmlns:p14="http://schemas.microsoft.com/office/powerpoint/2010/main" val="1280137657"/>
+              </p:ext>
+            </p:extLst>
+          </p:nvPr>
+        </p:nvGraphicFramePr>
+        <p:xfrm>
+          <a:off x="8489197" y="1412194"/>
+          <a:ext cx="1944216" cy="640100"/>
+        </p:xfrm>
+        <a:graphic>
+          <a:graphicData uri="http://schemas.openxmlformats.org/drawingml/2006/table">
+            <a:tbl>
+              <a:tblPr firstRow="1" bandRow="1">
+                <a:noFill/>
+              </a:tblPr>
+              <a:tblGrid>
+                <a:gridCol w="1944216"/>
+              </a:tblGrid>
+              <a:tr h="168164">
+                <a:tc>
+                  <a:txBody>
+                    <a:bodyPr/>
+                    <a:lstStyle/>
+                    <a:p>
+                      <a:pPr marL="0" marR="0" lvl="0" indent="0" algn="ctr" rtl="0">
+                        <a:lnSpc>
+                          <a:spcPct val="100000"/>
+                        </a:lnSpc>
+                        <a:spcBef>
+                          <a:spcPts val="0"/>
+                        </a:spcBef>
+                        <a:spcAft>
+                          <a:spcPts val="0"/>
+                        </a:spcAft>
+                        <a:buClr>
+                          <a:srgbClr val="000000"/>
+                        </a:buClr>
+                        <a:buSzPts val="1500"/>
+                        <a:buFont typeface="Arial"/>
+                        <a:buNone/>
+                      </a:pPr>
+                      <a:r>
+                        <a:rPr lang="ko-KR" altLang="en-US" sz="1500" b="0" u="none" strike="noStrike" cap="none" dirty="0" smtClean="0">
+                          <a:solidFill>
+                            <a:schemeClr val="dk1"/>
+                          </a:solidFill>
+                        </a:rPr>
+                        <a:t>화면코드</a:t>
+                      </a:r>
+                      <a:endParaRPr sz="1500" b="0" u="none" strike="noStrike" cap="none" dirty="0">
+                        <a:solidFill>
+                          <a:schemeClr val="dk1"/>
+                        </a:solidFill>
+                      </a:endParaRPr>
+                    </a:p>
+                  </a:txBody>
+                  <a:tcPr marL="74304" marR="74304" marT="45725" marB="45725" anchor="ctr">
+                    <a:lnL w="12700" cap="flat" cmpd="sng">
+                      <a:solidFill>
+                        <a:schemeClr val="dk1"/>
+                      </a:solidFill>
+                      <a:prstDash val="solid"/>
+                      <a:round/>
+                      <a:headEnd type="none" w="sm" len="sm"/>
+                      <a:tailEnd type="none" w="sm" len="sm"/>
+                    </a:lnL>
+                    <a:lnR w="12700" cap="flat" cmpd="sng">
+                      <a:solidFill>
+                        <a:schemeClr val="dk1"/>
+                      </a:solidFill>
+                      <a:prstDash val="solid"/>
+                      <a:round/>
+                      <a:headEnd type="none" w="sm" len="sm"/>
+                      <a:tailEnd type="none" w="sm" len="sm"/>
+                    </a:lnR>
+                    <a:lnT w="12700" cap="flat" cmpd="sng">
+                      <a:solidFill>
+                        <a:schemeClr val="dk1"/>
+                      </a:solidFill>
+                      <a:prstDash val="solid"/>
+                      <a:round/>
+                      <a:headEnd type="none" w="sm" len="sm"/>
+                      <a:tailEnd type="none" w="sm" len="sm"/>
+                    </a:lnT>
+                    <a:lnB w="12700" cap="flat" cmpd="sng" algn="ctr">
+                      <a:solidFill>
+                        <a:schemeClr val="dk1"/>
+                      </a:solidFill>
+                      <a:prstDash val="solid"/>
+                      <a:round/>
+                      <a:headEnd type="none" w="sm" len="sm"/>
+                      <a:tailEnd type="none" w="sm" len="sm"/>
+                    </a:lnB>
+                    <a:solidFill>
+                      <a:srgbClr val="D8D8D8"/>
+                    </a:solidFill>
+                  </a:tcPr>
+                </a:tc>
+              </a:tr>
+              <a:tr h="168164">
+                <a:tc>
+                  <a:txBody>
+                    <a:bodyPr/>
+                    <a:lstStyle/>
+                    <a:p>
+                      <a:pPr marL="0" marR="0" lvl="0" indent="0" algn="ctr" defTabSz="914400" rtl="0" eaLnBrk="1" fontAlgn="auto" latinLnBrk="1" hangingPunct="1">
+                        <a:lnSpc>
+                          <a:spcPct val="100000"/>
+                        </a:lnSpc>
+                        <a:spcBef>
+                          <a:spcPts val="0"/>
+                        </a:spcBef>
+                        <a:spcAft>
+                          <a:spcPts val="0"/>
+                        </a:spcAft>
+                        <a:buClr>
+                          <a:srgbClr val="000000"/>
+                        </a:buClr>
+                        <a:buSzPts val="1500"/>
+                        <a:buFont typeface="Arial"/>
+                        <a:buNone/>
+                        <a:tabLst/>
+                        <a:defRPr/>
+                      </a:pPr>
+                      <a:r>
+                        <a:rPr lang="en-US" altLang="ko-KR" sz="1500" b="0" u="none" strike="noStrike" cap="none" dirty="0" err="1" smtClean="0">
+                          <a:solidFill>
+                            <a:schemeClr val="dk1"/>
+                          </a:solidFill>
+                        </a:rPr>
+                        <a:t>ht_user_w_notice</a:t>
+                      </a:r>
+                      <a:endParaRPr lang="en-US" altLang="ko-KR" sz="1500" b="0" u="none" strike="noStrike" cap="none" dirty="0" smtClean="0">
+                        <a:solidFill>
+                          <a:schemeClr val="dk1"/>
+                        </a:solidFill>
+                      </a:endParaRPr>
+                    </a:p>
+                  </a:txBody>
+                  <a:tcPr marL="74304" marR="74304" marT="45725" marB="45725" anchor="ctr">
+                    <a:lnL w="12700" cap="flat" cmpd="sng" algn="ctr">
+                      <a:solidFill>
+                        <a:schemeClr val="dk1"/>
+                      </a:solidFill>
+                      <a:prstDash val="solid"/>
+                      <a:round/>
+                      <a:headEnd type="none" w="sm" len="sm"/>
+                      <a:tailEnd type="none" w="sm" len="sm"/>
+                    </a:lnL>
+                    <a:lnR w="12700" cap="flat" cmpd="sng" algn="ctr">
+                      <a:solidFill>
+                        <a:schemeClr val="dk1"/>
+                      </a:solidFill>
+                      <a:prstDash val="solid"/>
+                      <a:round/>
+                      <a:headEnd type="none" w="sm" len="sm"/>
+                      <a:tailEnd type="none" w="sm" len="sm"/>
+                    </a:lnR>
+                    <a:lnT w="12700" cap="flat" cmpd="sng" algn="ctr">
+                      <a:solidFill>
+                        <a:schemeClr val="dk1"/>
+                      </a:solidFill>
+                      <a:prstDash val="solid"/>
+                      <a:round/>
+                      <a:headEnd type="none" w="sm" len="sm"/>
+                      <a:tailEnd type="none" w="sm" len="sm"/>
+                    </a:lnT>
+                    <a:lnB w="12700" cap="flat" cmpd="sng">
+                      <a:solidFill>
+                        <a:schemeClr val="dk1"/>
+                      </a:solidFill>
+                      <a:prstDash val="solid"/>
+                      <a:round/>
+                      <a:headEnd type="none" w="sm" len="sm"/>
+                      <a:tailEnd type="none" w="sm" len="sm"/>
+                    </a:lnB>
+                    <a:solidFill>
+                      <a:schemeClr val="bg1"/>
+                    </a:solidFill>
+                  </a:tcPr>
+                </a:tc>
+              </a:tr>
+            </a:tbl>
+          </a:graphicData>
+        </a:graphic>
+      </p:graphicFrame>
+    </p:spTree>
+    <p:extLst>
+      <p:ext uri="{BB962C8B-B14F-4D97-AF65-F5344CB8AC3E}">
+        <p14:creationId xmlns:p14="http://schemas.microsoft.com/office/powerpoint/2010/main" val="3185587408"/>
+      </p:ext>
+    </p:extLst>
+  </p:cSld>
+  <p:clrMapOvr>
+    <a:masterClrMapping/>
+  </p:clrMapOvr>
+  <p:timing>
+    <p:tnLst>
+      <p:par>
+        <p:cTn id="1" dur="indefinite" restart="never" nodeType="tmRoot"/>
+      </p:par>
+    </p:tnLst>
+  </p:timing>
+</p:sld>
+</file>
+
 <file path=ppt/theme/theme1.xml><?xml version="1.0" encoding="utf-8"?>
 <a:theme xmlns:a="http://schemas.openxmlformats.org/drawingml/2006/main" name="Office 테마">
   <a:themeElements>
@@ -3699,7 +8447,7 @@
   <a:extraClrSchemeLst/>
   <a:extLst>
     <a:ext uri="{05A4C25C-085E-4340-85A3-A5531E510DB2}">
-      <thm15:themeFamily xmlns:thm15="http://schemas.microsoft.com/office/thememl/2012/main" name="Office Theme" id="{62F939B6-93AF-4DB8-9C6B-D6C7DFDC589F}" vid="{4A3C46E8-61CC-4603-A589-7422A47A8E4A}"/>
+      <thm15:themeFamily xmlns:thm15="http://schemas.microsoft.com/office/thememl/2012/main" xmlns="" name="Office Theme" id="{62F939B6-93AF-4DB8-9C6B-D6C7DFDC589F}" vid="{4A3C46E8-61CC-4603-A589-7422A47A8E4A}"/>
     </a:ext>
   </a:extLst>
 </a:theme>
@@ -3960,7 +8708,7 @@
   <a:extraClrSchemeLst/>
   <a:extLst>
     <a:ext uri="{05A4C25C-085E-4340-85A3-A5531E510DB2}">
-      <thm15:themeFamily xmlns:thm15="http://schemas.microsoft.com/office/thememl/2012/main" name="Office Theme" id="{62F939B6-93AF-4DB8-9C6B-D6C7DFDC589F}" vid="{4A3C46E8-61CC-4603-A589-7422A47A8E4A}"/>
+      <thm15:themeFamily xmlns:thm15="http://schemas.microsoft.com/office/thememl/2012/main" xmlns="" name="Office Theme" id="{62F939B6-93AF-4DB8-9C6B-D6C7DFDC589F}" vid="{4A3C46E8-61CC-4603-A589-7422A47A8E4A}"/>
     </a:ext>
   </a:extLst>
 </a:theme>
